--- a/poster_v1.pptx
+++ b/poster_v1.pptx
@@ -161,10 +161,9 @@
           <a:lstStyle/>
           <a:p>
             <a:r>
-              <a:rPr lang="en-US" smtClean="0"/>
+              <a:rPr lang="en-US"/>
               <a:t>Click to edit Master title style</a:t>
             </a:r>
-            <a:endParaRPr lang="en-US"/>
           </a:p>
         </p:txBody>
       </p:sp>
@@ -280,10 +279,9 @@
           </a:lstStyle>
           <a:p>
             <a:r>
-              <a:rPr lang="en-US" smtClean="0"/>
+              <a:rPr lang="en-US"/>
               <a:t>Click to edit Master subtitle style</a:t>
             </a:r>
-            <a:endParaRPr lang="en-US"/>
           </a:p>
         </p:txBody>
       </p:sp>
@@ -304,7 +302,7 @@
           <a:p>
             <a:fld id="{8C3A2F60-A9DA-754F-BA60-4C4FB523BA99}" type="datetimeFigureOut">
               <a:rPr lang="en-US" smtClean="0"/>
-              <a:t>11/28/16</a:t>
+              <a:t>11/29/2016</a:t>
             </a:fld>
             <a:endParaRPr lang="en-US"/>
           </a:p>
@@ -398,10 +396,9 @@
           <a:lstStyle/>
           <a:p>
             <a:r>
-              <a:rPr lang="en-US" smtClean="0"/>
+              <a:rPr lang="en-US"/>
               <a:t>Click to edit Master title style</a:t>
             </a:r>
-            <a:endParaRPr lang="en-US"/>
           </a:p>
         </p:txBody>
       </p:sp>
@@ -422,38 +419,37 @@
           <a:p>
             <a:pPr lvl="0"/>
             <a:r>
-              <a:rPr lang="en-US" smtClean="0"/>
+              <a:rPr lang="en-US"/>
               <a:t>Click to edit Master text styles</a:t>
             </a:r>
           </a:p>
           <a:p>
             <a:pPr lvl="1"/>
             <a:r>
-              <a:rPr lang="en-US" smtClean="0"/>
+              <a:rPr lang="en-US"/>
               <a:t>Second level</a:t>
             </a:r>
           </a:p>
           <a:p>
             <a:pPr lvl="2"/>
             <a:r>
-              <a:rPr lang="en-US" smtClean="0"/>
+              <a:rPr lang="en-US"/>
               <a:t>Third level</a:t>
             </a:r>
           </a:p>
           <a:p>
             <a:pPr lvl="3"/>
             <a:r>
-              <a:rPr lang="en-US" smtClean="0"/>
+              <a:rPr lang="en-US"/>
               <a:t>Fourth level</a:t>
             </a:r>
           </a:p>
           <a:p>
             <a:pPr lvl="4"/>
             <a:r>
-              <a:rPr lang="en-US" smtClean="0"/>
+              <a:rPr lang="en-US"/>
               <a:t>Fifth level</a:t>
             </a:r>
-            <a:endParaRPr lang="en-US"/>
           </a:p>
         </p:txBody>
       </p:sp>
@@ -474,7 +470,7 @@
           <a:p>
             <a:fld id="{8C3A2F60-A9DA-754F-BA60-4C4FB523BA99}" type="datetimeFigureOut">
               <a:rPr lang="en-US" smtClean="0"/>
-              <a:t>11/28/16</a:t>
+              <a:t>11/29/2016</a:t>
             </a:fld>
             <a:endParaRPr lang="en-US"/>
           </a:p>
@@ -573,10 +569,9 @@
           <a:lstStyle/>
           <a:p>
             <a:r>
-              <a:rPr lang="en-US" smtClean="0"/>
+              <a:rPr lang="en-US"/>
               <a:t>Click to edit Master title style</a:t>
             </a:r>
-            <a:endParaRPr lang="en-US"/>
           </a:p>
         </p:txBody>
       </p:sp>
@@ -602,38 +597,37 @@
           <a:p>
             <a:pPr lvl="0"/>
             <a:r>
-              <a:rPr lang="en-US" smtClean="0"/>
+              <a:rPr lang="en-US"/>
               <a:t>Click to edit Master text styles</a:t>
             </a:r>
           </a:p>
           <a:p>
             <a:pPr lvl="1"/>
             <a:r>
-              <a:rPr lang="en-US" smtClean="0"/>
+              <a:rPr lang="en-US"/>
               <a:t>Second level</a:t>
             </a:r>
           </a:p>
           <a:p>
             <a:pPr lvl="2"/>
             <a:r>
-              <a:rPr lang="en-US" smtClean="0"/>
+              <a:rPr lang="en-US"/>
               <a:t>Third level</a:t>
             </a:r>
           </a:p>
           <a:p>
             <a:pPr lvl="3"/>
             <a:r>
-              <a:rPr lang="en-US" smtClean="0"/>
+              <a:rPr lang="en-US"/>
               <a:t>Fourth level</a:t>
             </a:r>
           </a:p>
           <a:p>
             <a:pPr lvl="4"/>
             <a:r>
-              <a:rPr lang="en-US" smtClean="0"/>
+              <a:rPr lang="en-US"/>
               <a:t>Fifth level</a:t>
             </a:r>
-            <a:endParaRPr lang="en-US"/>
           </a:p>
         </p:txBody>
       </p:sp>
@@ -654,7 +648,7 @@
           <a:p>
             <a:fld id="{8C3A2F60-A9DA-754F-BA60-4C4FB523BA99}" type="datetimeFigureOut">
               <a:rPr lang="en-US" smtClean="0"/>
-              <a:t>11/28/16</a:t>
+              <a:t>11/29/2016</a:t>
             </a:fld>
             <a:endParaRPr lang="en-US"/>
           </a:p>
@@ -748,10 +742,9 @@
           <a:lstStyle/>
           <a:p>
             <a:r>
-              <a:rPr lang="en-US" smtClean="0"/>
+              <a:rPr lang="en-US"/>
               <a:t>Click to edit Master title style</a:t>
             </a:r>
-            <a:endParaRPr lang="en-US"/>
           </a:p>
         </p:txBody>
       </p:sp>
@@ -772,38 +765,37 @@
           <a:p>
             <a:pPr lvl="0"/>
             <a:r>
-              <a:rPr lang="en-US" smtClean="0"/>
+              <a:rPr lang="en-US"/>
               <a:t>Click to edit Master text styles</a:t>
             </a:r>
           </a:p>
           <a:p>
             <a:pPr lvl="1"/>
             <a:r>
-              <a:rPr lang="en-US" smtClean="0"/>
+              <a:rPr lang="en-US"/>
               <a:t>Second level</a:t>
             </a:r>
           </a:p>
           <a:p>
             <a:pPr lvl="2"/>
             <a:r>
-              <a:rPr lang="en-US" smtClean="0"/>
+              <a:rPr lang="en-US"/>
               <a:t>Third level</a:t>
             </a:r>
           </a:p>
           <a:p>
             <a:pPr lvl="3"/>
             <a:r>
-              <a:rPr lang="en-US" smtClean="0"/>
+              <a:rPr lang="en-US"/>
               <a:t>Fourth level</a:t>
             </a:r>
           </a:p>
           <a:p>
             <a:pPr lvl="4"/>
             <a:r>
-              <a:rPr lang="en-US" smtClean="0"/>
+              <a:rPr lang="en-US"/>
               <a:t>Fifth level</a:t>
             </a:r>
-            <a:endParaRPr lang="en-US"/>
           </a:p>
         </p:txBody>
       </p:sp>
@@ -824,7 +816,7 @@
           <a:p>
             <a:fld id="{8C3A2F60-A9DA-754F-BA60-4C4FB523BA99}" type="datetimeFigureOut">
               <a:rPr lang="en-US" smtClean="0"/>
-              <a:t>11/28/16</a:t>
+              <a:t>11/29/2016</a:t>
             </a:fld>
             <a:endParaRPr lang="en-US"/>
           </a:p>
@@ -927,10 +919,9 @@
           </a:lstStyle>
           <a:p>
             <a:r>
-              <a:rPr lang="en-US" smtClean="0"/>
+              <a:rPr lang="en-US"/>
               <a:t>Click to edit Master title style</a:t>
             </a:r>
-            <a:endParaRPr lang="en-US"/>
           </a:p>
         </p:txBody>
       </p:sp>
@@ -1047,7 +1038,7 @@
           <a:p>
             <a:pPr lvl="0"/>
             <a:r>
-              <a:rPr lang="en-US" smtClean="0"/>
+              <a:rPr lang="en-US"/>
               <a:t>Click to edit Master text styles</a:t>
             </a:r>
           </a:p>
@@ -1070,7 +1061,7 @@
           <a:p>
             <a:fld id="{8C3A2F60-A9DA-754F-BA60-4C4FB523BA99}" type="datetimeFigureOut">
               <a:rPr lang="en-US" smtClean="0"/>
-              <a:t>11/28/16</a:t>
+              <a:t>11/29/2016</a:t>
             </a:fld>
             <a:endParaRPr lang="en-US"/>
           </a:p>
@@ -1164,10 +1155,9 @@
           <a:lstStyle/>
           <a:p>
             <a:r>
-              <a:rPr lang="en-US" smtClean="0"/>
+              <a:rPr lang="en-US"/>
               <a:t>Click to edit Master title style</a:t>
             </a:r>
-            <a:endParaRPr lang="en-US"/>
           </a:p>
         </p:txBody>
       </p:sp>
@@ -1221,38 +1211,37 @@
           <a:p>
             <a:pPr lvl="0"/>
             <a:r>
-              <a:rPr lang="en-US" smtClean="0"/>
+              <a:rPr lang="en-US"/>
               <a:t>Click to edit Master text styles</a:t>
             </a:r>
           </a:p>
           <a:p>
             <a:pPr lvl="1"/>
             <a:r>
-              <a:rPr lang="en-US" smtClean="0"/>
+              <a:rPr lang="en-US"/>
               <a:t>Second level</a:t>
             </a:r>
           </a:p>
           <a:p>
             <a:pPr lvl="2"/>
             <a:r>
-              <a:rPr lang="en-US" smtClean="0"/>
+              <a:rPr lang="en-US"/>
               <a:t>Third level</a:t>
             </a:r>
           </a:p>
           <a:p>
             <a:pPr lvl="3"/>
             <a:r>
-              <a:rPr lang="en-US" smtClean="0"/>
+              <a:rPr lang="en-US"/>
               <a:t>Fourth level</a:t>
             </a:r>
           </a:p>
           <a:p>
             <a:pPr lvl="4"/>
             <a:r>
-              <a:rPr lang="en-US" smtClean="0"/>
+              <a:rPr lang="en-US"/>
               <a:t>Fifth level</a:t>
             </a:r>
-            <a:endParaRPr lang="en-US"/>
           </a:p>
         </p:txBody>
       </p:sp>
@@ -1306,38 +1295,37 @@
           <a:p>
             <a:pPr lvl="0"/>
             <a:r>
-              <a:rPr lang="en-US" smtClean="0"/>
+              <a:rPr lang="en-US"/>
               <a:t>Click to edit Master text styles</a:t>
             </a:r>
           </a:p>
           <a:p>
             <a:pPr lvl="1"/>
             <a:r>
-              <a:rPr lang="en-US" smtClean="0"/>
+              <a:rPr lang="en-US"/>
               <a:t>Second level</a:t>
             </a:r>
           </a:p>
           <a:p>
             <a:pPr lvl="2"/>
             <a:r>
-              <a:rPr lang="en-US" smtClean="0"/>
+              <a:rPr lang="en-US"/>
               <a:t>Third level</a:t>
             </a:r>
           </a:p>
           <a:p>
             <a:pPr lvl="3"/>
             <a:r>
-              <a:rPr lang="en-US" smtClean="0"/>
+              <a:rPr lang="en-US"/>
               <a:t>Fourth level</a:t>
             </a:r>
           </a:p>
           <a:p>
             <a:pPr lvl="4"/>
             <a:r>
-              <a:rPr lang="en-US" smtClean="0"/>
+              <a:rPr lang="en-US"/>
               <a:t>Fifth level</a:t>
             </a:r>
-            <a:endParaRPr lang="en-US"/>
           </a:p>
         </p:txBody>
       </p:sp>
@@ -1358,7 +1346,7 @@
           <a:p>
             <a:fld id="{8C3A2F60-A9DA-754F-BA60-4C4FB523BA99}" type="datetimeFigureOut">
               <a:rPr lang="en-US" smtClean="0"/>
-              <a:t>11/28/16</a:t>
+              <a:t>11/29/2016</a:t>
             </a:fld>
             <a:endParaRPr lang="en-US"/>
           </a:p>
@@ -1456,10 +1444,9 @@
           </a:lstStyle>
           <a:p>
             <a:r>
-              <a:rPr lang="en-US" smtClean="0"/>
+              <a:rPr lang="en-US"/>
               <a:t>Click to edit Master title style</a:t>
             </a:r>
-            <a:endParaRPr lang="en-US"/>
           </a:p>
         </p:txBody>
       </p:sp>
@@ -1522,7 +1509,7 @@
           <a:p>
             <a:pPr lvl="0"/>
             <a:r>
-              <a:rPr lang="en-US" smtClean="0"/>
+              <a:rPr lang="en-US"/>
               <a:t>Click to edit Master text styles</a:t>
             </a:r>
           </a:p>
@@ -1578,38 +1565,37 @@
           <a:p>
             <a:pPr lvl="0"/>
             <a:r>
-              <a:rPr lang="en-US" smtClean="0"/>
+              <a:rPr lang="en-US"/>
               <a:t>Click to edit Master text styles</a:t>
             </a:r>
           </a:p>
           <a:p>
             <a:pPr lvl="1"/>
             <a:r>
-              <a:rPr lang="en-US" smtClean="0"/>
+              <a:rPr lang="en-US"/>
               <a:t>Second level</a:t>
             </a:r>
           </a:p>
           <a:p>
             <a:pPr lvl="2"/>
             <a:r>
-              <a:rPr lang="en-US" smtClean="0"/>
+              <a:rPr lang="en-US"/>
               <a:t>Third level</a:t>
             </a:r>
           </a:p>
           <a:p>
             <a:pPr lvl="3"/>
             <a:r>
-              <a:rPr lang="en-US" smtClean="0"/>
+              <a:rPr lang="en-US"/>
               <a:t>Fourth level</a:t>
             </a:r>
           </a:p>
           <a:p>
             <a:pPr lvl="4"/>
             <a:r>
-              <a:rPr lang="en-US" smtClean="0"/>
+              <a:rPr lang="en-US"/>
               <a:t>Fifth level</a:t>
             </a:r>
-            <a:endParaRPr lang="en-US"/>
           </a:p>
         </p:txBody>
       </p:sp>
@@ -1672,7 +1658,7 @@
           <a:p>
             <a:pPr lvl="0"/>
             <a:r>
-              <a:rPr lang="en-US" smtClean="0"/>
+              <a:rPr lang="en-US"/>
               <a:t>Click to edit Master text styles</a:t>
             </a:r>
           </a:p>
@@ -1728,38 +1714,37 @@
           <a:p>
             <a:pPr lvl="0"/>
             <a:r>
-              <a:rPr lang="en-US" smtClean="0"/>
+              <a:rPr lang="en-US"/>
               <a:t>Click to edit Master text styles</a:t>
             </a:r>
           </a:p>
           <a:p>
             <a:pPr lvl="1"/>
             <a:r>
-              <a:rPr lang="en-US" smtClean="0"/>
+              <a:rPr lang="en-US"/>
               <a:t>Second level</a:t>
             </a:r>
           </a:p>
           <a:p>
             <a:pPr lvl="2"/>
             <a:r>
-              <a:rPr lang="en-US" smtClean="0"/>
+              <a:rPr lang="en-US"/>
               <a:t>Third level</a:t>
             </a:r>
           </a:p>
           <a:p>
             <a:pPr lvl="3"/>
             <a:r>
-              <a:rPr lang="en-US" smtClean="0"/>
+              <a:rPr lang="en-US"/>
               <a:t>Fourth level</a:t>
             </a:r>
           </a:p>
           <a:p>
             <a:pPr lvl="4"/>
             <a:r>
-              <a:rPr lang="en-US" smtClean="0"/>
+              <a:rPr lang="en-US"/>
               <a:t>Fifth level</a:t>
             </a:r>
-            <a:endParaRPr lang="en-US"/>
           </a:p>
         </p:txBody>
       </p:sp>
@@ -1780,7 +1765,7 @@
           <a:p>
             <a:fld id="{8C3A2F60-A9DA-754F-BA60-4C4FB523BA99}" type="datetimeFigureOut">
               <a:rPr lang="en-US" smtClean="0"/>
-              <a:t>11/28/16</a:t>
+              <a:t>11/29/2016</a:t>
             </a:fld>
             <a:endParaRPr lang="en-US"/>
           </a:p>
@@ -1874,10 +1859,9 @@
           <a:lstStyle/>
           <a:p>
             <a:r>
-              <a:rPr lang="en-US" smtClean="0"/>
+              <a:rPr lang="en-US"/>
               <a:t>Click to edit Master title style</a:t>
             </a:r>
-            <a:endParaRPr lang="en-US"/>
           </a:p>
         </p:txBody>
       </p:sp>
@@ -1898,7 +1882,7 @@
           <a:p>
             <a:fld id="{8C3A2F60-A9DA-754F-BA60-4C4FB523BA99}" type="datetimeFigureOut">
               <a:rPr lang="en-US" smtClean="0"/>
-              <a:t>11/28/16</a:t>
+              <a:t>11/29/2016</a:t>
             </a:fld>
             <a:endParaRPr lang="en-US"/>
           </a:p>
@@ -1993,7 +1977,7 @@
           <a:p>
             <a:fld id="{8C3A2F60-A9DA-754F-BA60-4C4FB523BA99}" type="datetimeFigureOut">
               <a:rPr lang="en-US" smtClean="0"/>
-              <a:t>11/28/16</a:t>
+              <a:t>11/29/2016</a:t>
             </a:fld>
             <a:endParaRPr lang="en-US"/>
           </a:p>
@@ -2096,10 +2080,9 @@
           </a:lstStyle>
           <a:p>
             <a:r>
-              <a:rPr lang="en-US" smtClean="0"/>
+              <a:rPr lang="en-US"/>
               <a:t>Click to edit Master title style</a:t>
             </a:r>
-            <a:endParaRPr lang="en-US"/>
           </a:p>
         </p:txBody>
       </p:sp>
@@ -2153,38 +2136,37 @@
           <a:p>
             <a:pPr lvl="0"/>
             <a:r>
-              <a:rPr lang="en-US" smtClean="0"/>
+              <a:rPr lang="en-US"/>
               <a:t>Click to edit Master text styles</a:t>
             </a:r>
           </a:p>
           <a:p>
             <a:pPr lvl="1"/>
             <a:r>
-              <a:rPr lang="en-US" smtClean="0"/>
+              <a:rPr lang="en-US"/>
               <a:t>Second level</a:t>
             </a:r>
           </a:p>
           <a:p>
             <a:pPr lvl="2"/>
             <a:r>
-              <a:rPr lang="en-US" smtClean="0"/>
+              <a:rPr lang="en-US"/>
               <a:t>Third level</a:t>
             </a:r>
           </a:p>
           <a:p>
             <a:pPr lvl="3"/>
             <a:r>
-              <a:rPr lang="en-US" smtClean="0"/>
+              <a:rPr lang="en-US"/>
               <a:t>Fourth level</a:t>
             </a:r>
           </a:p>
           <a:p>
             <a:pPr lvl="4"/>
             <a:r>
-              <a:rPr lang="en-US" smtClean="0"/>
+              <a:rPr lang="en-US"/>
               <a:t>Fifth level</a:t>
             </a:r>
-            <a:endParaRPr lang="en-US"/>
           </a:p>
         </p:txBody>
       </p:sp>
@@ -2247,7 +2229,7 @@
           <a:p>
             <a:pPr lvl="0"/>
             <a:r>
-              <a:rPr lang="en-US" smtClean="0"/>
+              <a:rPr lang="en-US"/>
               <a:t>Click to edit Master text styles</a:t>
             </a:r>
           </a:p>
@@ -2270,7 +2252,7 @@
           <a:p>
             <a:fld id="{8C3A2F60-A9DA-754F-BA60-4C4FB523BA99}" type="datetimeFigureOut">
               <a:rPr lang="en-US" smtClean="0"/>
-              <a:t>11/28/16</a:t>
+              <a:t>11/29/2016</a:t>
             </a:fld>
             <a:endParaRPr lang="en-US"/>
           </a:p>
@@ -2373,10 +2355,9 @@
           </a:lstStyle>
           <a:p>
             <a:r>
-              <a:rPr lang="en-US" smtClean="0"/>
+              <a:rPr lang="en-US"/>
               <a:t>Click to edit Master title style</a:t>
             </a:r>
-            <a:endParaRPr lang="en-US"/>
           </a:p>
         </p:txBody>
       </p:sp>
@@ -2500,7 +2481,7 @@
           <a:p>
             <a:pPr lvl="0"/>
             <a:r>
-              <a:rPr lang="en-US" smtClean="0"/>
+              <a:rPr lang="en-US"/>
               <a:t>Click to edit Master text styles</a:t>
             </a:r>
           </a:p>
@@ -2523,7 +2504,7 @@
           <a:p>
             <a:fld id="{8C3A2F60-A9DA-754F-BA60-4C4FB523BA99}" type="datetimeFigureOut">
               <a:rPr lang="en-US" smtClean="0"/>
-              <a:t>11/28/16</a:t>
+              <a:t>11/29/2016</a:t>
             </a:fld>
             <a:endParaRPr lang="en-US"/>
           </a:p>
@@ -2632,10 +2613,9 @@
           <a:lstStyle/>
           <a:p>
             <a:r>
-              <a:rPr lang="en-US" smtClean="0"/>
+              <a:rPr lang="en-US"/>
               <a:t>Click to edit Master title style</a:t>
             </a:r>
-            <a:endParaRPr lang="en-US"/>
           </a:p>
         </p:txBody>
       </p:sp>
@@ -2666,38 +2646,37 @@
           <a:p>
             <a:pPr lvl="0"/>
             <a:r>
-              <a:rPr lang="en-US" smtClean="0"/>
+              <a:rPr lang="en-US"/>
               <a:t>Click to edit Master text styles</a:t>
             </a:r>
           </a:p>
           <a:p>
             <a:pPr lvl="1"/>
             <a:r>
-              <a:rPr lang="en-US" smtClean="0"/>
+              <a:rPr lang="en-US"/>
               <a:t>Second level</a:t>
             </a:r>
           </a:p>
           <a:p>
             <a:pPr lvl="2"/>
             <a:r>
-              <a:rPr lang="en-US" smtClean="0"/>
+              <a:rPr lang="en-US"/>
               <a:t>Third level</a:t>
             </a:r>
           </a:p>
           <a:p>
             <a:pPr lvl="3"/>
             <a:r>
-              <a:rPr lang="en-US" smtClean="0"/>
+              <a:rPr lang="en-US"/>
               <a:t>Fourth level</a:t>
             </a:r>
           </a:p>
           <a:p>
             <a:pPr lvl="4"/>
             <a:r>
-              <a:rPr lang="en-US" smtClean="0"/>
+              <a:rPr lang="en-US"/>
               <a:t>Fifth level</a:t>
             </a:r>
-            <a:endParaRPr lang="en-US"/>
           </a:p>
         </p:txBody>
       </p:sp>
@@ -2736,7 +2715,7 @@
           <a:p>
             <a:fld id="{8C3A2F60-A9DA-754F-BA60-4C4FB523BA99}" type="datetimeFigureOut">
               <a:rPr lang="en-US" smtClean="0"/>
-              <a:t>11/28/16</a:t>
+              <a:t>11/29/2016</a:t>
             </a:fld>
             <a:endParaRPr lang="en-US"/>
           </a:p>
@@ -3097,6 +3076,14 @@
 <file path=ppt/slides/slide1.xml><?xml version="1.0" encoding="utf-8"?>
 <p:sld xmlns:a="http://schemas.openxmlformats.org/drawingml/2006/main" xmlns:r="http://schemas.openxmlformats.org/officeDocument/2006/relationships" xmlns:p="http://schemas.openxmlformats.org/presentationml/2006/main">
   <p:cSld>
+    <p:bg>
+      <p:bgPr>
+        <a:solidFill>
+          <a:schemeClr val="bg1"/>
+        </a:solidFill>
+        <a:effectLst/>
+      </p:bgPr>
+    </p:bg>
     <p:spTree>
       <p:nvGrpSpPr>
         <p:cNvPr id="1" name=""/>
@@ -3111,16 +3098,886 @@
           <a:chExt cx="0" cy="0"/>
         </a:xfrm>
       </p:grpSpPr>
+      <p:sp>
+        <p:nvSpPr>
+          <p:cNvPr id="6" name="TextBox 5"/>
+          <p:cNvSpPr txBox="1"/>
+          <p:nvPr/>
+        </p:nvSpPr>
+        <p:spPr>
+          <a:xfrm>
+            <a:off x="848352" y="667287"/>
+            <a:ext cx="17123183" cy="2107528"/>
+          </a:xfrm>
+          <a:prstGeom prst="rect">
+            <a:avLst/>
+          </a:prstGeom>
+          <a:noFill/>
+        </p:spPr>
+        <p:txBody>
+          <a:bodyPr wrap="square" lIns="75465" tIns="37733" rIns="75465" bIns="37733" rtlCol="0">
+            <a:spAutoFit/>
+          </a:bodyPr>
+          <a:lstStyle/>
+          <a:p>
+            <a:r>
+              <a:rPr lang="en-US" sz="6600" b="1" dirty="0">
+                <a:latin typeface="Arial" panose="020B0604020202020204" pitchFamily="34" charset="0"/>
+                <a:cs typeface="Arial" panose="020B0604020202020204" pitchFamily="34" charset="0"/>
+              </a:rPr>
+              <a:t>Know Your Disease!</a:t>
+            </a:r>
+          </a:p>
+          <a:p>
+            <a:endParaRPr lang="en-US" sz="6600" dirty="0">
+              <a:latin typeface="Arial" panose="020B0604020202020204" pitchFamily="34" charset="0"/>
+              <a:cs typeface="Arial" panose="020B0604020202020204" pitchFamily="34" charset="0"/>
+            </a:endParaRPr>
+          </a:p>
+        </p:txBody>
+      </p:sp>
+      <p:sp>
+        <p:nvSpPr>
+          <p:cNvPr id="7" name="TextBox 6"/>
+          <p:cNvSpPr txBox="1"/>
+          <p:nvPr/>
+        </p:nvSpPr>
+        <p:spPr>
+          <a:xfrm>
+            <a:off x="11402856" y="671244"/>
+            <a:ext cx="14220325" cy="2045973"/>
+          </a:xfrm>
+          <a:prstGeom prst="rect">
+            <a:avLst/>
+          </a:prstGeom>
+          <a:noFill/>
+        </p:spPr>
+        <p:txBody>
+          <a:bodyPr wrap="square" lIns="75465" tIns="37733" rIns="75465" bIns="37733" rtlCol="0">
+            <a:spAutoFit/>
+          </a:bodyPr>
+          <a:lstStyle/>
+          <a:p>
+            <a:r>
+              <a:rPr lang="en-US" sz="3200" dirty="0">
+                <a:cs typeface="Arial"/>
+              </a:rPr>
+              <a:t>Kashyap Bhansali, 1209278261, </a:t>
+            </a:r>
+            <a:r>
+              <a:rPr lang="en-US" sz="3200" dirty="0">
+                <a:cs typeface="Arial"/>
+                <a:hlinkClick r:id="rId2"/>
+              </a:rPr>
+              <a:t>kashyap.bhansali@asu.edu</a:t>
+            </a:r>
+            <a:r>
+              <a:rPr lang="en-US" sz="3200" dirty="0">
+                <a:cs typeface="Arial"/>
+              </a:rPr>
+              <a:t> </a:t>
+            </a:r>
+          </a:p>
+          <a:p>
+            <a:r>
+              <a:rPr lang="en-US" sz="3200" dirty="0">
+                <a:cs typeface="Arial"/>
+              </a:rPr>
+              <a:t>Saloni Shah, 1209404115 , </a:t>
+            </a:r>
+            <a:r>
+              <a:rPr lang="en-US" sz="3200" dirty="0">
+                <a:cs typeface="Arial"/>
+                <a:hlinkClick r:id="rId3"/>
+              </a:rPr>
+              <a:t>saloni.shah@asu.edu</a:t>
+            </a:r>
+            <a:endParaRPr lang="en-US" sz="3200" dirty="0">
+              <a:cs typeface="Arial"/>
+            </a:endParaRPr>
+          </a:p>
+          <a:p>
+            <a:r>
+              <a:rPr lang="en-US" sz="3200" dirty="0">
+                <a:cs typeface="Arial"/>
+              </a:rPr>
+              <a:t>Raj Dalvi, 1209232176, </a:t>
+            </a:r>
+            <a:r>
+              <a:rPr lang="en-US" sz="3200" dirty="0">
+                <a:cs typeface="Arial"/>
+                <a:hlinkClick r:id="rId4"/>
+              </a:rPr>
+              <a:t>rsdalvi@asu.edu</a:t>
+            </a:r>
+            <a:endParaRPr lang="en-US" sz="3200" dirty="0">
+              <a:cs typeface="Arial"/>
+            </a:endParaRPr>
+          </a:p>
+          <a:p>
+            <a:r>
+              <a:rPr lang="en-US" sz="3200" dirty="0" err="1">
+                <a:cs typeface="Arial"/>
+              </a:rPr>
+              <a:t>Shruti</a:t>
+            </a:r>
+            <a:r>
+              <a:rPr lang="en-US" sz="3200" dirty="0">
+                <a:cs typeface="Arial"/>
+              </a:rPr>
+              <a:t> Mahajan, 1210431622, </a:t>
+            </a:r>
+            <a:r>
+              <a:rPr lang="en-US" sz="3200" dirty="0">
+                <a:cs typeface="Arial"/>
+                <a:hlinkClick r:id="rId5"/>
+              </a:rPr>
+              <a:t>smahaja7@asu.edu</a:t>
+            </a:r>
+            <a:r>
+              <a:rPr lang="en-US" sz="3200" dirty="0">
+                <a:cs typeface="Arial"/>
+              </a:rPr>
+              <a:t> </a:t>
+            </a:r>
+          </a:p>
+        </p:txBody>
+      </p:sp>
+      <p:sp>
+        <p:nvSpPr>
+          <p:cNvPr id="8" name="TextBox 7"/>
+          <p:cNvSpPr txBox="1"/>
+          <p:nvPr/>
+        </p:nvSpPr>
+        <p:spPr>
+          <a:xfrm>
+            <a:off x="845136" y="9148667"/>
+            <a:ext cx="10280061" cy="4846740"/>
+          </a:xfrm>
+          <a:prstGeom prst="rect">
+            <a:avLst/>
+          </a:prstGeom>
+          <a:gradFill>
+            <a:gsLst>
+              <a:gs pos="0">
+                <a:schemeClr val="bg1"/>
+              </a:gs>
+              <a:gs pos="100000">
+                <a:schemeClr val="accent6">
+                  <a:lumMod val="40000"/>
+                  <a:lumOff val="60000"/>
+                </a:schemeClr>
+              </a:gs>
+            </a:gsLst>
+            <a:lin ang="5400000" scaled="1"/>
+          </a:gradFill>
+          <a:ln>
+            <a:noFill/>
+          </a:ln>
+        </p:spPr>
+        <p:txBody>
+          <a:bodyPr wrap="square" lIns="75465" tIns="37733" rIns="75465" bIns="37733" rtlCol="0">
+            <a:spAutoFit/>
+          </a:bodyPr>
+          <a:lstStyle/>
+          <a:p>
+            <a:r>
+              <a:rPr lang="en-US" sz="3600" b="1" u="sng" dirty="0">
+                <a:cs typeface="Arial"/>
+              </a:rPr>
+              <a:t>Research Questions:</a:t>
+            </a:r>
+          </a:p>
+          <a:p>
+            <a:pPr marL="613157" indent="-613157" algn="just">
+              <a:spcBef>
+                <a:spcPts val="1200"/>
+              </a:spcBef>
+              <a:spcAft>
+                <a:spcPts val="1200"/>
+              </a:spcAft>
+              <a:buFontTx/>
+              <a:buAutoNum type="arabicPeriod"/>
+            </a:pPr>
+            <a:r>
+              <a:rPr lang="en-US" sz="3200" dirty="0">
+                <a:cs typeface="Arial"/>
+              </a:rPr>
+              <a:t>What kind of questions are asked on the forum? What are the most commonly discussed Topics &amp; Diseases?</a:t>
+            </a:r>
+          </a:p>
+          <a:p>
+            <a:pPr marL="613157" indent="-613157" algn="just">
+              <a:spcBef>
+                <a:spcPts val="1200"/>
+              </a:spcBef>
+              <a:spcAft>
+                <a:spcPts val="1200"/>
+              </a:spcAft>
+              <a:buFontTx/>
+              <a:buAutoNum type="arabicPeriod"/>
+            </a:pPr>
+            <a:r>
+              <a:rPr lang="en-US" sz="3200" dirty="0">
+                <a:cs typeface="Arial"/>
+              </a:rPr>
+              <a:t>What are the Symptoms people with particular Disease have? What parts of the human body are affected by this Disease?</a:t>
+            </a:r>
+          </a:p>
+          <a:p>
+            <a:pPr marL="613157" indent="-613157" algn="just">
+              <a:spcBef>
+                <a:spcPts val="1200"/>
+              </a:spcBef>
+              <a:spcAft>
+                <a:spcPts val="1200"/>
+              </a:spcAft>
+              <a:buAutoNum type="arabicPeriod"/>
+            </a:pPr>
+            <a:r>
+              <a:rPr lang="en-US" sz="3200" dirty="0">
+                <a:cs typeface="Arial"/>
+              </a:rPr>
+              <a:t>Prevalence of the Diseases in the population over the years?</a:t>
+            </a:r>
+          </a:p>
+        </p:txBody>
+      </p:sp>
+      <p:sp>
+        <p:nvSpPr>
+          <p:cNvPr id="9" name="TextBox 8"/>
+          <p:cNvSpPr txBox="1"/>
+          <p:nvPr/>
+        </p:nvSpPr>
+        <p:spPr>
+          <a:xfrm>
+            <a:off x="845136" y="4359308"/>
+            <a:ext cx="10280061" cy="4538963"/>
+          </a:xfrm>
+          <a:prstGeom prst="rect">
+            <a:avLst/>
+          </a:prstGeom>
+          <a:gradFill>
+            <a:gsLst>
+              <a:gs pos="0">
+                <a:schemeClr val="bg1"/>
+              </a:gs>
+              <a:gs pos="100000">
+                <a:schemeClr val="tx2">
+                  <a:lumMod val="40000"/>
+                  <a:lumOff val="60000"/>
+                </a:schemeClr>
+              </a:gs>
+            </a:gsLst>
+            <a:lin ang="5400000" scaled="1"/>
+          </a:gradFill>
+          <a:ln>
+            <a:noFill/>
+            <a:prstDash val="lgDash"/>
+          </a:ln>
+        </p:spPr>
+        <p:txBody>
+          <a:bodyPr wrap="square" lIns="75465" tIns="37733" rIns="75465" bIns="37733" rtlCol="0">
+            <a:spAutoFit/>
+          </a:bodyPr>
+          <a:lstStyle/>
+          <a:p>
+            <a:r>
+              <a:rPr lang="en-US" sz="3600" b="1" u="sng" dirty="0">
+                <a:cs typeface="Arial"/>
+              </a:rPr>
+              <a:t>Motivation &amp; Relevant Work:</a:t>
+            </a:r>
+          </a:p>
+          <a:p>
+            <a:pPr marL="571500" indent="-571500" algn="just">
+              <a:spcBef>
+                <a:spcPts val="1200"/>
+              </a:spcBef>
+              <a:spcAft>
+                <a:spcPts val="1200"/>
+              </a:spcAft>
+              <a:buFont typeface="Arial"/>
+              <a:buChar char="•"/>
+            </a:pPr>
+            <a:r>
+              <a:rPr lang="en-US" sz="3200" dirty="0">
+                <a:cs typeface="Arial"/>
+              </a:rPr>
+              <a:t>Online health discussion forums are popular information seeking sites, which provide reliable health and medical news.</a:t>
+            </a:r>
+          </a:p>
+          <a:p>
+            <a:pPr marL="571500" indent="-571500" algn="just">
+              <a:spcBef>
+                <a:spcPts val="1200"/>
+              </a:spcBef>
+              <a:spcAft>
+                <a:spcPts val="1200"/>
+              </a:spcAft>
+              <a:buFont typeface="Arial"/>
+              <a:buChar char="•"/>
+            </a:pPr>
+            <a:r>
+              <a:rPr lang="en-US" sz="3200" dirty="0">
+                <a:cs typeface="Arial"/>
+              </a:rPr>
+              <a:t>The health information retrieving and organizing patterns of a user can be recognized through this alternative called Question-Answering Systems and forums. (</a:t>
+            </a:r>
+            <a:r>
+              <a:rPr lang="en-US" sz="3200" dirty="0" err="1">
+                <a:cs typeface="Arial"/>
+              </a:rPr>
+              <a:t>Dolares</a:t>
+            </a:r>
+            <a:r>
+              <a:rPr lang="en-US" sz="3200" dirty="0">
+                <a:cs typeface="Arial"/>
+              </a:rPr>
+              <a:t> </a:t>
+            </a:r>
+            <a:r>
+              <a:rPr lang="en-US" sz="3200" dirty="0" err="1">
+                <a:cs typeface="Arial"/>
+              </a:rPr>
+              <a:t>M.et</a:t>
+            </a:r>
+            <a:r>
+              <a:rPr lang="en-US" sz="3200" dirty="0">
+                <a:cs typeface="Arial"/>
+              </a:rPr>
+              <a:t> al, 2010).</a:t>
+            </a:r>
+          </a:p>
+        </p:txBody>
+      </p:sp>
+      <p:sp>
+        <p:nvSpPr>
+          <p:cNvPr id="10" name="TextBox 9"/>
+          <p:cNvSpPr txBox="1"/>
+          <p:nvPr/>
+        </p:nvSpPr>
+        <p:spPr>
+          <a:xfrm>
+            <a:off x="11364035" y="12144537"/>
+            <a:ext cx="10991851" cy="14526313"/>
+          </a:xfrm>
+          <a:prstGeom prst="rect">
+            <a:avLst/>
+          </a:prstGeom>
+          <a:gradFill>
+            <a:gsLst>
+              <a:gs pos="0">
+                <a:srgbClr val="FAF0F0"/>
+              </a:gs>
+              <a:gs pos="100000">
+                <a:schemeClr val="accent2">
+                  <a:lumMod val="60000"/>
+                  <a:lumOff val="40000"/>
+                </a:schemeClr>
+              </a:gs>
+            </a:gsLst>
+            <a:lin ang="5400000" scaled="1"/>
+          </a:gradFill>
+          <a:ln>
+            <a:solidFill>
+              <a:schemeClr val="tx1"/>
+            </a:solidFill>
+            <a:prstDash val="dash"/>
+          </a:ln>
+        </p:spPr>
+        <p:txBody>
+          <a:bodyPr wrap="square" lIns="75465" tIns="37733" rIns="75465" bIns="37733" rtlCol="0">
+            <a:spAutoFit/>
+          </a:bodyPr>
+          <a:lstStyle/>
+          <a:p>
+            <a:r>
+              <a:rPr lang="en-US" sz="3600" b="1" u="sng" dirty="0">
+                <a:cs typeface="Arial"/>
+              </a:rPr>
+              <a:t>Methodology:</a:t>
+            </a:r>
+          </a:p>
+          <a:p>
+            <a:pPr marL="471659" indent="-471659">
+              <a:spcBef>
+                <a:spcPts val="600"/>
+              </a:spcBef>
+              <a:spcAft>
+                <a:spcPts val="600"/>
+              </a:spcAft>
+              <a:buFont typeface="Arial"/>
+              <a:buChar char="•"/>
+            </a:pPr>
+            <a:r>
+              <a:rPr lang="en-US" sz="3600" dirty="0">
+                <a:cs typeface="Arial"/>
+              </a:rPr>
+              <a:t>Used the scraped data of Diseases and Symptoms to extract the relevant close matches from the Q&amp;As in the dataset using </a:t>
+            </a:r>
+            <a:r>
+              <a:rPr lang="en-US" sz="3600" i="1" dirty="0">
+                <a:cs typeface="Arial"/>
+              </a:rPr>
+              <a:t>Sequence Matching</a:t>
+            </a:r>
+            <a:r>
+              <a:rPr lang="en-US" sz="3600" dirty="0">
+                <a:cs typeface="Arial"/>
+              </a:rPr>
+              <a:t>.</a:t>
+            </a:r>
+          </a:p>
+          <a:p>
+            <a:pPr marL="471659" indent="-471659">
+              <a:spcBef>
+                <a:spcPts val="600"/>
+              </a:spcBef>
+              <a:spcAft>
+                <a:spcPts val="600"/>
+              </a:spcAft>
+              <a:buFont typeface="Arial"/>
+              <a:buChar char="•"/>
+            </a:pPr>
+            <a:r>
+              <a:rPr lang="en-US" sz="3600" i="1" dirty="0">
+                <a:cs typeface="Arial"/>
+              </a:rPr>
+              <a:t>Mapped the relationships </a:t>
+            </a:r>
+            <a:r>
+              <a:rPr lang="en-US" sz="3600" dirty="0">
+                <a:cs typeface="Arial"/>
+              </a:rPr>
+              <a:t>between Diseases and Symptoms that occur in the same Q&amp;As and represented using a </a:t>
+            </a:r>
+            <a:r>
+              <a:rPr lang="en-US" sz="3600" i="1" dirty="0">
+                <a:cs typeface="Arial"/>
+              </a:rPr>
+              <a:t>Chord diagram</a:t>
+            </a:r>
+            <a:r>
+              <a:rPr lang="en-US" sz="3600" dirty="0">
+                <a:cs typeface="Arial"/>
+              </a:rPr>
+              <a:t>. </a:t>
+            </a:r>
+          </a:p>
+          <a:p>
+            <a:pPr marL="471659" indent="-471659">
+              <a:spcBef>
+                <a:spcPts val="600"/>
+              </a:spcBef>
+              <a:spcAft>
+                <a:spcPts val="600"/>
+              </a:spcAft>
+              <a:buFont typeface="Arial"/>
+              <a:buChar char="•"/>
+            </a:pPr>
+            <a:r>
+              <a:rPr lang="en-US" sz="3600" dirty="0">
+                <a:cs typeface="Arial"/>
+              </a:rPr>
+              <a:t>Based on the body parts affected by the disease, relevant area is highlighted on a 2D human body figure.</a:t>
+            </a:r>
+          </a:p>
+          <a:p>
+            <a:pPr marL="471659" indent="-471659">
+              <a:spcBef>
+                <a:spcPts val="600"/>
+              </a:spcBef>
+              <a:spcAft>
+                <a:spcPts val="600"/>
+              </a:spcAft>
+              <a:buFont typeface="Arial"/>
+              <a:buChar char="•"/>
+            </a:pPr>
+            <a:r>
+              <a:rPr lang="en-US" sz="3600" dirty="0">
+                <a:cs typeface="Arial"/>
+              </a:rPr>
+              <a:t>Majority of the body parts were mapped by extracting data from the dataset  while a few manual inputs were necessary for improving the accuracy.</a:t>
+            </a:r>
+          </a:p>
+          <a:p>
+            <a:pPr marL="471659" indent="-471659">
+              <a:spcBef>
+                <a:spcPts val="600"/>
+              </a:spcBef>
+              <a:spcAft>
+                <a:spcPts val="600"/>
+              </a:spcAft>
+              <a:buFont typeface="Arial"/>
+              <a:buChar char="•"/>
+            </a:pPr>
+            <a:r>
+              <a:rPr lang="en-US" sz="3600" dirty="0">
+                <a:cs typeface="Arial"/>
+              </a:rPr>
+              <a:t>Sequence Matching was preferred over TF-IDF because it reduced the occurrence of meaningless data and also handles typos better. Usually, the complex names that may be misspelled would be handled and identified accurately.</a:t>
+            </a:r>
+          </a:p>
+          <a:p>
+            <a:pPr marL="471659" indent="-471659">
+              <a:spcBef>
+                <a:spcPts val="600"/>
+              </a:spcBef>
+              <a:spcAft>
+                <a:spcPts val="600"/>
+              </a:spcAft>
+              <a:buFont typeface="Arial"/>
+              <a:buChar char="•"/>
+            </a:pPr>
+            <a:r>
+              <a:rPr lang="en-US" sz="3600" dirty="0">
+                <a:cs typeface="Arial"/>
+              </a:rPr>
+              <a:t>Using an interactive line chart we demonstrate trend discussion over a particular Disease topic.</a:t>
+            </a:r>
+          </a:p>
+          <a:p>
+            <a:pPr marL="471659" indent="-471659">
+              <a:spcBef>
+                <a:spcPts val="600"/>
+              </a:spcBef>
+              <a:spcAft>
+                <a:spcPts val="600"/>
+              </a:spcAft>
+              <a:buFont typeface="Arial"/>
+              <a:buChar char="•"/>
+            </a:pPr>
+            <a:r>
+              <a:rPr lang="en-US" sz="3600" dirty="0">
+                <a:cs typeface="Arial"/>
+              </a:rPr>
+              <a:t>With a </a:t>
+            </a:r>
+            <a:r>
+              <a:rPr lang="en-US" sz="3600" i="1" dirty="0">
+                <a:cs typeface="Arial"/>
+              </a:rPr>
+              <a:t>bag-of-words</a:t>
+            </a:r>
+            <a:r>
+              <a:rPr lang="en-US" sz="3600" dirty="0">
+                <a:cs typeface="Arial"/>
+              </a:rPr>
+              <a:t> approach we perform some clustering with manual inputs for correctness, to build a hierarchical structure and represent using </a:t>
+            </a:r>
+            <a:r>
+              <a:rPr lang="en-US" sz="3600" i="1" dirty="0" err="1">
+                <a:cs typeface="Arial"/>
+              </a:rPr>
+              <a:t>Zoomable</a:t>
+            </a:r>
+            <a:r>
+              <a:rPr lang="en-US" sz="3600" i="1" dirty="0">
+                <a:cs typeface="Arial"/>
+              </a:rPr>
+              <a:t>-Bubble</a:t>
+            </a:r>
+            <a:r>
+              <a:rPr lang="en-US" sz="3600" dirty="0">
+                <a:cs typeface="Arial"/>
+              </a:rPr>
+              <a:t> chart.</a:t>
+            </a:r>
+          </a:p>
+          <a:p>
+            <a:pPr>
+              <a:spcBef>
+                <a:spcPts val="600"/>
+              </a:spcBef>
+              <a:spcAft>
+                <a:spcPts val="600"/>
+              </a:spcAft>
+            </a:pPr>
+            <a:endParaRPr lang="en-US" sz="3600" dirty="0">
+              <a:cs typeface="Arial"/>
+            </a:endParaRPr>
+          </a:p>
+        </p:txBody>
+      </p:sp>
+      <p:sp>
+        <p:nvSpPr>
+          <p:cNvPr id="14" name="TextBox 13"/>
+          <p:cNvSpPr txBox="1"/>
+          <p:nvPr/>
+        </p:nvSpPr>
+        <p:spPr>
+          <a:xfrm>
+            <a:off x="7874000" y="23393400"/>
+            <a:ext cx="184666" cy="923330"/>
+          </a:xfrm>
+          <a:prstGeom prst="rect">
+            <a:avLst/>
+          </a:prstGeom>
+          <a:noFill/>
+        </p:spPr>
+        <p:txBody>
+          <a:bodyPr wrap="none" rtlCol="0">
+            <a:spAutoFit/>
+          </a:bodyPr>
+          <a:lstStyle/>
+          <a:p>
+            <a:endParaRPr lang="en-US" dirty="0"/>
+          </a:p>
+        </p:txBody>
+      </p:sp>
+      <p:sp>
+        <p:nvSpPr>
+          <p:cNvPr id="18" name="TextBox 17"/>
+          <p:cNvSpPr txBox="1"/>
+          <p:nvPr/>
+        </p:nvSpPr>
+        <p:spPr>
+          <a:xfrm>
+            <a:off x="845136" y="21223946"/>
+            <a:ext cx="10280061" cy="5446904"/>
+          </a:xfrm>
+          <a:prstGeom prst="rect">
+            <a:avLst/>
+          </a:prstGeom>
+          <a:gradFill>
+            <a:gsLst>
+              <a:gs pos="0">
+                <a:schemeClr val="bg1"/>
+              </a:gs>
+              <a:gs pos="100000">
+                <a:schemeClr val="bg2"/>
+              </a:gs>
+            </a:gsLst>
+            <a:lin ang="5400000" scaled="1"/>
+          </a:gradFill>
+        </p:spPr>
+        <p:txBody>
+          <a:bodyPr wrap="square" lIns="75465" tIns="37733" rIns="75465" bIns="37733" rtlCol="0">
+            <a:spAutoFit/>
+          </a:bodyPr>
+          <a:lstStyle>
+            <a:defPPr>
+              <a:defRPr lang="en-US"/>
+            </a:defPPr>
+            <a:lvl1pPr>
+              <a:defRPr sz="3600" u="sng">
+                <a:latin typeface="Arial"/>
+                <a:cs typeface="Arial"/>
+              </a:defRPr>
+            </a:lvl1pPr>
+          </a:lstStyle>
+          <a:p>
+            <a:pPr algn="just"/>
+            <a:r>
+              <a:rPr lang="en-US" b="1" dirty="0">
+                <a:latin typeface="+mn-lt"/>
+              </a:rPr>
+              <a:t>Findings:</a:t>
+            </a:r>
+          </a:p>
+          <a:p>
+            <a:pPr marL="571500" indent="-571500" algn="just">
+              <a:spcBef>
+                <a:spcPts val="600"/>
+              </a:spcBef>
+              <a:spcAft>
+                <a:spcPts val="600"/>
+              </a:spcAft>
+              <a:buFont typeface="Arial"/>
+              <a:buChar char="•"/>
+            </a:pPr>
+            <a:r>
+              <a:rPr lang="en-US" sz="3200" u="none" dirty="0">
+                <a:latin typeface="+mn-lt"/>
+              </a:rPr>
+              <a:t>There is a lot of discussion about Women health problems, accompanied by Q&amp;A’s for General Symptoms and  Sensory Organs of Human body.</a:t>
+            </a:r>
+          </a:p>
+          <a:p>
+            <a:pPr marL="571500" indent="-571500" algn="just">
+              <a:spcBef>
+                <a:spcPts val="600"/>
+              </a:spcBef>
+              <a:spcAft>
+                <a:spcPts val="600"/>
+              </a:spcAft>
+              <a:buFont typeface="Arial"/>
+              <a:buChar char="•"/>
+            </a:pPr>
+            <a:r>
+              <a:rPr lang="en-US" sz="3200" u="none" dirty="0">
+                <a:latin typeface="+mn-lt"/>
+              </a:rPr>
+              <a:t>Pain and Infection are the most common complications associated with a gamut of diseases.</a:t>
+            </a:r>
+          </a:p>
+          <a:p>
+            <a:pPr marL="571500" indent="-571500" algn="just">
+              <a:spcBef>
+                <a:spcPts val="600"/>
+              </a:spcBef>
+              <a:spcAft>
+                <a:spcPts val="600"/>
+              </a:spcAft>
+              <a:buFont typeface="Arial"/>
+              <a:buChar char="•"/>
+            </a:pPr>
+            <a:r>
+              <a:rPr lang="en-US" sz="3200" u="none" dirty="0">
+                <a:latin typeface="+mn-lt"/>
+              </a:rPr>
+              <a:t>Complicated issues like Cancer, Blood problems, Surgery has been less discussed and talked about on the forum, since they’re critical enough to directly consult a doctor in-person.</a:t>
+            </a:r>
+          </a:p>
+        </p:txBody>
+      </p:sp>
+      <p:sp>
+        <p:nvSpPr>
+          <p:cNvPr id="19" name="TextBox 18"/>
+          <p:cNvSpPr txBox="1"/>
+          <p:nvPr/>
+        </p:nvSpPr>
+        <p:spPr>
+          <a:xfrm>
+            <a:off x="845136" y="14245804"/>
+            <a:ext cx="10280061" cy="6601807"/>
+          </a:xfrm>
+          <a:prstGeom prst="rect">
+            <a:avLst/>
+          </a:prstGeom>
+          <a:gradFill>
+            <a:gsLst>
+              <a:gs pos="0">
+                <a:schemeClr val="bg1"/>
+              </a:gs>
+              <a:gs pos="100000">
+                <a:schemeClr val="accent5">
+                  <a:lumMod val="40000"/>
+                  <a:lumOff val="60000"/>
+                </a:schemeClr>
+              </a:gs>
+            </a:gsLst>
+            <a:lin ang="5400000" scaled="1"/>
+          </a:gradFill>
+        </p:spPr>
+        <p:txBody>
+          <a:bodyPr wrap="square" rtlCol="0">
+            <a:spAutoFit/>
+          </a:bodyPr>
+          <a:lstStyle/>
+          <a:p>
+            <a:r>
+              <a:rPr lang="en-US" sz="3600" b="1" u="sng" dirty="0">
+                <a:cs typeface="Arial"/>
+              </a:rPr>
+              <a:t>Data Collection:</a:t>
+            </a:r>
+          </a:p>
+          <a:p>
+            <a:pPr marL="457200" indent="-457200" algn="just">
+              <a:spcBef>
+                <a:spcPts val="600"/>
+              </a:spcBef>
+              <a:spcAft>
+                <a:spcPts val="600"/>
+              </a:spcAft>
+              <a:buFont typeface="Arial"/>
+              <a:buChar char="•"/>
+            </a:pPr>
+            <a:r>
+              <a:rPr lang="en-US" sz="3200" dirty="0">
+                <a:cs typeface="Arial"/>
+              </a:rPr>
+              <a:t>Collected data about diseases, symptoms and posted date of question and answers from the WebMD dataset provided. Also extracted diseases and symptoms from Q&amp;A data. </a:t>
+            </a:r>
+          </a:p>
+          <a:p>
+            <a:pPr marL="457200" indent="-457200" algn="just">
+              <a:spcBef>
+                <a:spcPts val="600"/>
+              </a:spcBef>
+              <a:spcAft>
+                <a:spcPts val="600"/>
+              </a:spcAft>
+              <a:buFont typeface="Arial"/>
+              <a:buChar char="•"/>
+            </a:pPr>
+            <a:r>
+              <a:rPr lang="en-US" sz="3200" dirty="0">
+                <a:cs typeface="Arial"/>
+              </a:rPr>
+              <a:t>Scrapped additional diseases and symptoms data from Q&amp;A forum: WebMD (</a:t>
+            </a:r>
+            <a:r>
+              <a:rPr lang="en-US" sz="3200" dirty="0">
+                <a:cs typeface="Arial"/>
+                <a:hlinkClick r:id="rId6"/>
+              </a:rPr>
+              <a:t>www.webmd.com)</a:t>
+            </a:r>
+            <a:r>
+              <a:rPr lang="en-US" sz="3200" dirty="0">
+                <a:cs typeface="Arial"/>
+              </a:rPr>
+              <a:t> and from Mayo Clinic (</a:t>
+            </a:r>
+            <a:r>
+              <a:rPr lang="en-US" sz="3200" dirty="0">
+                <a:cs typeface="Arial"/>
+                <a:hlinkClick r:id="rId7"/>
+              </a:rPr>
+              <a:t>www.mayoclinic.org)</a:t>
+            </a:r>
+            <a:endParaRPr lang="en-US" sz="3200" dirty="0">
+              <a:cs typeface="Arial"/>
+            </a:endParaRPr>
+          </a:p>
+          <a:p>
+            <a:pPr marL="457200" indent="-457200" algn="just">
+              <a:spcBef>
+                <a:spcPts val="600"/>
+              </a:spcBef>
+              <a:spcAft>
+                <a:spcPts val="600"/>
+              </a:spcAft>
+              <a:buFont typeface="Arial"/>
+              <a:buChar char="•"/>
+            </a:pPr>
+            <a:r>
+              <a:rPr lang="en-US" sz="3200" dirty="0">
+                <a:cs typeface="Arial"/>
+              </a:rPr>
+              <a:t>Processed the data to map the Diseases and Symptoms to Topics provided in the dataset. Collected data about the Human body parts where the diseases affect. </a:t>
+            </a:r>
+          </a:p>
+          <a:p>
+            <a:pPr marL="457200" indent="-457200" algn="just">
+              <a:spcBef>
+                <a:spcPts val="600"/>
+              </a:spcBef>
+              <a:spcAft>
+                <a:spcPts val="600"/>
+              </a:spcAft>
+              <a:buFont typeface="Arial"/>
+              <a:buChar char="•"/>
+            </a:pPr>
+            <a:endParaRPr lang="en-US" sz="3200" dirty="0">
+              <a:cs typeface="Arial"/>
+            </a:endParaRPr>
+          </a:p>
+        </p:txBody>
+      </p:sp>
       <p:pic>
         <p:nvPicPr>
-          <p:cNvPr id="5" name="Picture 4" descr="ASU_engineering_CMYK_2013.png"/>
+          <p:cNvPr id="2" name="Picture 1"/>
           <p:cNvPicPr>
             <a:picLocks noChangeAspect="1"/>
           </p:cNvPicPr>
           <p:nvPr/>
         </p:nvPicPr>
         <p:blipFill>
-          <a:blip r:embed="rId2">
+          <a:blip r:embed="rId8">
             <a:extLst>
               <a:ext uri="{28A0092B-C50C-407E-A947-70E740481C1C}">
                 <a14:useLocalDpi xmlns:a14="http://schemas.microsoft.com/office/drawing/2010/main" val="0"/>
@@ -3133,994 +3990,24 @@
         </p:blipFill>
         <p:spPr>
           <a:xfrm>
-            <a:off x="17394802" y="594808"/>
-            <a:ext cx="5080000" cy="1365250"/>
+            <a:off x="11402856" y="4359308"/>
+            <a:ext cx="10991851" cy="7485938"/>
           </a:xfrm>
           <a:prstGeom prst="rect">
             <a:avLst/>
           </a:prstGeom>
+          <a:ln>
+            <a:solidFill>
+              <a:schemeClr val="tx1"/>
+            </a:solidFill>
+          </a:ln>
         </p:spPr>
       </p:pic>
-      <p:sp>
-        <p:nvSpPr>
-          <p:cNvPr id="6" name="TextBox 5"/>
-          <p:cNvSpPr txBox="1"/>
-          <p:nvPr/>
-        </p:nvSpPr>
-        <p:spPr>
-          <a:xfrm>
-            <a:off x="845137" y="671244"/>
-            <a:ext cx="17123183" cy="1738196"/>
-          </a:xfrm>
-          <a:prstGeom prst="rect">
-            <a:avLst/>
-          </a:prstGeom>
-          <a:noFill/>
-        </p:spPr>
-        <p:txBody>
-          <a:bodyPr wrap="square" lIns="75465" tIns="37733" rIns="75465" bIns="37733" rtlCol="0">
-            <a:spAutoFit/>
-          </a:bodyPr>
-          <a:lstStyle/>
-          <a:p>
-            <a:r>
-              <a:rPr lang="en-US" b="1" dirty="0" smtClean="0">
-                <a:latin typeface="Arial"/>
-                <a:cs typeface="Arial"/>
-              </a:rPr>
-              <a:t>Know Your Diseases!</a:t>
-            </a:r>
-            <a:endParaRPr lang="en-US" b="1" dirty="0">
-              <a:latin typeface="Arial"/>
-              <a:cs typeface="Arial"/>
-            </a:endParaRPr>
-          </a:p>
-          <a:p>
-            <a:endParaRPr lang="en-US" dirty="0">
-              <a:latin typeface="Arial"/>
-              <a:cs typeface="Arial"/>
-            </a:endParaRPr>
-          </a:p>
-        </p:txBody>
-      </p:sp>
-      <p:sp>
-        <p:nvSpPr>
-          <p:cNvPr id="7" name="TextBox 6"/>
-          <p:cNvSpPr txBox="1"/>
-          <p:nvPr/>
-        </p:nvSpPr>
-        <p:spPr>
-          <a:xfrm>
-            <a:off x="845136" y="1926772"/>
-            <a:ext cx="14220325" cy="2045973"/>
-          </a:xfrm>
-          <a:prstGeom prst="rect">
-            <a:avLst/>
-          </a:prstGeom>
-          <a:noFill/>
-        </p:spPr>
-        <p:txBody>
-          <a:bodyPr wrap="square" lIns="75465" tIns="37733" rIns="75465" bIns="37733" rtlCol="0">
-            <a:spAutoFit/>
-          </a:bodyPr>
-          <a:lstStyle/>
-          <a:p>
-            <a:r>
-              <a:rPr lang="en-US" sz="3200" dirty="0" err="1" smtClean="0">
-                <a:latin typeface="Arial"/>
-                <a:cs typeface="Arial"/>
-              </a:rPr>
-              <a:t>Kashyap</a:t>
-            </a:r>
-            <a:r>
-              <a:rPr lang="en-US" sz="3200" dirty="0" smtClean="0">
-                <a:latin typeface="Arial"/>
-                <a:cs typeface="Arial"/>
-              </a:rPr>
-              <a:t> </a:t>
-            </a:r>
-            <a:r>
-              <a:rPr lang="en-US" sz="3200" dirty="0" err="1" smtClean="0">
-                <a:latin typeface="Arial"/>
-                <a:cs typeface="Arial"/>
-              </a:rPr>
-              <a:t>Bhansali</a:t>
-            </a:r>
-            <a:r>
-              <a:rPr lang="en-US" sz="3200" dirty="0" smtClean="0">
-                <a:latin typeface="Arial"/>
-                <a:cs typeface="Arial"/>
-              </a:rPr>
-              <a:t>, </a:t>
-            </a:r>
-            <a:r>
-              <a:rPr lang="en-US" sz="3200" dirty="0">
-                <a:latin typeface="Arial"/>
-                <a:cs typeface="Arial"/>
-              </a:rPr>
-              <a:t>Arizona State University, </a:t>
-            </a:r>
-            <a:r>
-              <a:rPr lang="en-US" sz="3200" dirty="0" smtClean="0">
-                <a:latin typeface="Arial"/>
-                <a:cs typeface="Arial"/>
-                <a:hlinkClick r:id="rId3"/>
-              </a:rPr>
-              <a:t>kashyap.bhansali</a:t>
-            </a:r>
-            <a:r>
-              <a:rPr lang="en-US" sz="3200" dirty="0" smtClean="0">
-                <a:latin typeface="Arial"/>
-                <a:cs typeface="Arial"/>
-                <a:hlinkClick r:id="rId3"/>
-              </a:rPr>
-              <a:t>@asu.edu</a:t>
-            </a:r>
-            <a:r>
-              <a:rPr lang="en-US" sz="3200" dirty="0" smtClean="0">
-                <a:latin typeface="Arial"/>
-                <a:cs typeface="Arial"/>
-              </a:rPr>
-              <a:t> </a:t>
-            </a:r>
-            <a:endParaRPr lang="en-US" sz="3200" dirty="0">
-              <a:latin typeface="Arial"/>
-              <a:cs typeface="Arial"/>
-            </a:endParaRPr>
-          </a:p>
-          <a:p>
-            <a:r>
-              <a:rPr lang="en-US" sz="3200" dirty="0" smtClean="0">
-                <a:latin typeface="Arial"/>
-                <a:cs typeface="Arial"/>
-              </a:rPr>
-              <a:t>Saloni Shah</a:t>
-            </a:r>
-            <a:r>
-              <a:rPr lang="en-US" sz="3200" dirty="0" smtClean="0">
-                <a:latin typeface="Arial"/>
-                <a:cs typeface="Arial"/>
-              </a:rPr>
-              <a:t>, </a:t>
-            </a:r>
-            <a:r>
-              <a:rPr lang="en-US" sz="3200" dirty="0">
-                <a:latin typeface="Arial"/>
-                <a:cs typeface="Arial"/>
-              </a:rPr>
-              <a:t>Arizona State University, </a:t>
-            </a:r>
-            <a:r>
-              <a:rPr lang="en-US" sz="3200" dirty="0" smtClean="0">
-                <a:latin typeface="Arial"/>
-                <a:cs typeface="Arial"/>
-                <a:hlinkClick r:id="rId4"/>
-              </a:rPr>
-              <a:t>saloni.shah</a:t>
-            </a:r>
-            <a:r>
-              <a:rPr lang="en-US" sz="3200" dirty="0" smtClean="0">
-                <a:latin typeface="Arial"/>
-                <a:cs typeface="Arial"/>
-                <a:hlinkClick r:id="rId4"/>
-              </a:rPr>
-              <a:t>@asu.edu</a:t>
-            </a:r>
-            <a:endParaRPr lang="en-US" sz="3200" dirty="0" smtClean="0">
-              <a:latin typeface="Arial"/>
-              <a:cs typeface="Arial"/>
-            </a:endParaRPr>
-          </a:p>
-          <a:p>
-            <a:r>
-              <a:rPr lang="en-US" sz="3200" dirty="0" smtClean="0">
-                <a:latin typeface="Arial"/>
-                <a:cs typeface="Arial"/>
-              </a:rPr>
-              <a:t>Raj Dalvi, Arizona State University, </a:t>
-            </a:r>
-            <a:r>
-              <a:rPr lang="en-US" sz="3200" dirty="0" smtClean="0">
-                <a:latin typeface="Arial"/>
-                <a:cs typeface="Arial"/>
-                <a:hlinkClick r:id="rId5"/>
-              </a:rPr>
-              <a:t>raj.dalvi@asu.edu</a:t>
-            </a:r>
-            <a:endParaRPr lang="en-US" sz="3200" dirty="0" smtClean="0">
-              <a:latin typeface="Arial"/>
-              <a:cs typeface="Arial"/>
-            </a:endParaRPr>
-          </a:p>
-          <a:p>
-            <a:r>
-              <a:rPr lang="en-US" sz="3200" dirty="0" err="1" smtClean="0">
-                <a:latin typeface="Arial"/>
-                <a:cs typeface="Arial"/>
-              </a:rPr>
-              <a:t>Shruti</a:t>
-            </a:r>
-            <a:r>
-              <a:rPr lang="en-US" sz="3200" dirty="0" smtClean="0">
-                <a:latin typeface="Arial"/>
-                <a:cs typeface="Arial"/>
-              </a:rPr>
-              <a:t> Mahajan, Arizona State University, </a:t>
-            </a:r>
-            <a:r>
-              <a:rPr lang="en-US" sz="3200" dirty="0" smtClean="0">
-                <a:latin typeface="Arial"/>
-                <a:cs typeface="Arial"/>
-                <a:hlinkClick r:id="rId6"/>
-              </a:rPr>
-              <a:t>shruti.mahajan@asu.edu</a:t>
-            </a:r>
-            <a:r>
-              <a:rPr lang="en-US" sz="3200" dirty="0" smtClean="0">
-                <a:latin typeface="Arial"/>
-                <a:cs typeface="Arial"/>
-              </a:rPr>
-              <a:t> </a:t>
-            </a:r>
-            <a:endParaRPr lang="en-US" sz="3200" dirty="0">
-              <a:latin typeface="Arial"/>
-              <a:cs typeface="Arial"/>
-            </a:endParaRPr>
-          </a:p>
-        </p:txBody>
-      </p:sp>
-      <p:sp>
-        <p:nvSpPr>
-          <p:cNvPr id="8" name="TextBox 7"/>
-          <p:cNvSpPr txBox="1"/>
-          <p:nvPr/>
-        </p:nvSpPr>
-        <p:spPr>
-          <a:xfrm>
-            <a:off x="845136" y="9051633"/>
-            <a:ext cx="10280061" cy="4846740"/>
-          </a:xfrm>
-          <a:prstGeom prst="rect">
-            <a:avLst/>
-          </a:prstGeom>
-          <a:noFill/>
-        </p:spPr>
-        <p:txBody>
-          <a:bodyPr wrap="square" lIns="75465" tIns="37733" rIns="75465" bIns="37733" rtlCol="0">
-            <a:spAutoFit/>
-          </a:bodyPr>
-          <a:lstStyle/>
-          <a:p>
-            <a:r>
-              <a:rPr lang="en-US" sz="3600" u="sng" dirty="0">
-                <a:latin typeface="Arial"/>
-                <a:cs typeface="Arial"/>
-              </a:rPr>
-              <a:t>Research Questions:</a:t>
-            </a:r>
-          </a:p>
-          <a:p>
-            <a:pPr marL="613157" indent="-613157" algn="just">
-              <a:spcBef>
-                <a:spcPts val="1200"/>
-              </a:spcBef>
-              <a:spcAft>
-                <a:spcPts val="1200"/>
-              </a:spcAft>
-              <a:buFontTx/>
-              <a:buAutoNum type="arabicPeriod"/>
-            </a:pPr>
-            <a:r>
-              <a:rPr lang="en-US" sz="3200" dirty="0" smtClean="0">
-                <a:latin typeface="Arial"/>
-                <a:cs typeface="Arial"/>
-              </a:rPr>
-              <a:t>What kind of questions are asked on the forum? What are the most commonly discussed topics?</a:t>
-            </a:r>
-          </a:p>
-          <a:p>
-            <a:pPr marL="613157" indent="-613157" algn="just">
-              <a:spcBef>
-                <a:spcPts val="1200"/>
-              </a:spcBef>
-              <a:spcAft>
-                <a:spcPts val="1200"/>
-              </a:spcAft>
-              <a:buFontTx/>
-              <a:buAutoNum type="arabicPeriod"/>
-            </a:pPr>
-            <a:r>
-              <a:rPr lang="en-US" sz="3200" dirty="0" smtClean="0">
-                <a:latin typeface="Arial"/>
-                <a:cs typeface="Arial"/>
-              </a:rPr>
-              <a:t>What are the symptoms people with particular disease have? What parts of the human body are affected by this disease?</a:t>
-            </a:r>
-            <a:endParaRPr lang="en-US" sz="3200" dirty="0">
-              <a:latin typeface="Arial"/>
-              <a:cs typeface="Arial"/>
-            </a:endParaRPr>
-          </a:p>
-          <a:p>
-            <a:pPr marL="613157" indent="-613157" algn="just">
-              <a:spcBef>
-                <a:spcPts val="1200"/>
-              </a:spcBef>
-              <a:spcAft>
-                <a:spcPts val="1200"/>
-              </a:spcAft>
-              <a:buAutoNum type="arabicPeriod"/>
-            </a:pPr>
-            <a:r>
-              <a:rPr lang="en-US" sz="3200" dirty="0" smtClean="0">
-                <a:latin typeface="Arial"/>
-                <a:cs typeface="Arial"/>
-              </a:rPr>
-              <a:t>Are the diseases spreading more or decreasing over the years?</a:t>
-            </a:r>
-            <a:endParaRPr lang="en-US" sz="3200" dirty="0">
-              <a:latin typeface="Arial"/>
-              <a:cs typeface="Arial"/>
-            </a:endParaRPr>
-          </a:p>
-        </p:txBody>
-      </p:sp>
-      <p:sp>
-        <p:nvSpPr>
-          <p:cNvPr id="9" name="TextBox 8"/>
-          <p:cNvSpPr txBox="1"/>
-          <p:nvPr/>
-        </p:nvSpPr>
-        <p:spPr>
-          <a:xfrm>
-            <a:off x="845136" y="4241563"/>
-            <a:ext cx="10280063" cy="4538963"/>
-          </a:xfrm>
-          <a:prstGeom prst="rect">
-            <a:avLst/>
-          </a:prstGeom>
-          <a:noFill/>
-        </p:spPr>
-        <p:txBody>
-          <a:bodyPr wrap="square" lIns="75465" tIns="37733" rIns="75465" bIns="37733" rtlCol="0">
-            <a:spAutoFit/>
-          </a:bodyPr>
-          <a:lstStyle/>
-          <a:p>
-            <a:r>
-              <a:rPr lang="en-US" sz="3600" u="sng" dirty="0">
-                <a:latin typeface="Arial"/>
-                <a:cs typeface="Arial"/>
-              </a:rPr>
-              <a:t>Motivation &amp; Relevant Work</a:t>
-            </a:r>
-            <a:r>
-              <a:rPr lang="en-US" sz="3600" u="sng" dirty="0" smtClean="0">
-                <a:latin typeface="Arial"/>
-                <a:cs typeface="Arial"/>
-              </a:rPr>
-              <a:t>:</a:t>
-            </a:r>
-          </a:p>
-          <a:p>
-            <a:pPr marL="571500" indent="-571500" algn="just">
-              <a:spcBef>
-                <a:spcPts val="1200"/>
-              </a:spcBef>
-              <a:spcAft>
-                <a:spcPts val="1200"/>
-              </a:spcAft>
-              <a:buFont typeface="Arial"/>
-              <a:buChar char="•"/>
-            </a:pPr>
-            <a:r>
-              <a:rPr lang="en-US" sz="3200" dirty="0">
-                <a:latin typeface="Arial"/>
-                <a:cs typeface="Arial"/>
-              </a:rPr>
-              <a:t>Online </a:t>
-            </a:r>
-            <a:r>
-              <a:rPr lang="en-US" sz="3200" dirty="0" smtClean="0">
-                <a:latin typeface="Arial"/>
-                <a:cs typeface="Arial"/>
-              </a:rPr>
-              <a:t>health discussion </a:t>
-            </a:r>
-            <a:r>
-              <a:rPr lang="en-US" sz="3200" dirty="0">
-                <a:latin typeface="Arial"/>
-                <a:cs typeface="Arial"/>
-              </a:rPr>
-              <a:t>forums are popular </a:t>
-            </a:r>
-            <a:r>
-              <a:rPr lang="en-US" sz="3200" dirty="0" smtClean="0">
-                <a:latin typeface="Arial"/>
-                <a:cs typeface="Arial"/>
-              </a:rPr>
-              <a:t>information seeking sites, which provide trustworthy health and medical news.</a:t>
-            </a:r>
-          </a:p>
-          <a:p>
-            <a:pPr marL="571500" indent="-571500" algn="just">
-              <a:spcBef>
-                <a:spcPts val="1200"/>
-              </a:spcBef>
-              <a:spcAft>
-                <a:spcPts val="1200"/>
-              </a:spcAft>
-              <a:buFont typeface="Arial"/>
-              <a:buChar char="•"/>
-            </a:pPr>
-            <a:r>
-              <a:rPr lang="en-US" sz="3200" dirty="0" smtClean="0">
-                <a:latin typeface="Arial"/>
-                <a:cs typeface="Arial"/>
-              </a:rPr>
-              <a:t>The health information retrieving and organizing patterns of a user can be recognized through this alternative called Question-answering systems and forums. (</a:t>
-            </a:r>
-            <a:r>
-              <a:rPr lang="en-US" sz="3200" dirty="0" err="1" smtClean="0">
-                <a:latin typeface="Arial"/>
-                <a:cs typeface="Arial"/>
-              </a:rPr>
-              <a:t>Dolares</a:t>
-            </a:r>
-            <a:r>
-              <a:rPr lang="en-US" sz="3200" dirty="0" smtClean="0">
-                <a:latin typeface="Arial"/>
-                <a:cs typeface="Arial"/>
-              </a:rPr>
-              <a:t> </a:t>
-            </a:r>
-            <a:r>
-              <a:rPr lang="en-US" sz="3200" dirty="0" err="1" smtClean="0">
-                <a:latin typeface="Arial"/>
-                <a:cs typeface="Arial"/>
-              </a:rPr>
-              <a:t>M.et</a:t>
-            </a:r>
-            <a:r>
-              <a:rPr lang="en-US" sz="3200" dirty="0" smtClean="0">
-                <a:latin typeface="Arial"/>
-                <a:cs typeface="Arial"/>
-              </a:rPr>
-              <a:t> al, 2010).</a:t>
-            </a:r>
-            <a:endParaRPr lang="en-US" sz="3200" dirty="0" smtClean="0">
-              <a:latin typeface="Arial"/>
-              <a:cs typeface="Arial"/>
-            </a:endParaRPr>
-          </a:p>
-        </p:txBody>
-      </p:sp>
-      <p:sp>
-        <p:nvSpPr>
-          <p:cNvPr id="10" name="TextBox 9"/>
-          <p:cNvSpPr txBox="1"/>
-          <p:nvPr/>
-        </p:nvSpPr>
-        <p:spPr>
-          <a:xfrm>
-            <a:off x="11364035" y="4315672"/>
-            <a:ext cx="10991851" cy="14218536"/>
-          </a:xfrm>
-          <a:prstGeom prst="rect">
-            <a:avLst/>
-          </a:prstGeom>
-          <a:solidFill>
-            <a:schemeClr val="accent3">
-              <a:lumMod val="20000"/>
-              <a:lumOff val="80000"/>
-            </a:schemeClr>
-          </a:solidFill>
-        </p:spPr>
-        <p:txBody>
-          <a:bodyPr wrap="square" lIns="75465" tIns="37733" rIns="75465" bIns="37733" rtlCol="0">
-            <a:spAutoFit/>
-          </a:bodyPr>
-          <a:lstStyle/>
-          <a:p>
-            <a:r>
-              <a:rPr lang="en-US" sz="3600" u="sng" dirty="0">
-                <a:latin typeface="Arial"/>
-                <a:cs typeface="Arial"/>
-              </a:rPr>
-              <a:t>Methodology:</a:t>
-            </a:r>
-          </a:p>
-          <a:p>
-            <a:pPr marL="471659" indent="-471659">
-              <a:spcBef>
-                <a:spcPts val="600"/>
-              </a:spcBef>
-              <a:spcAft>
-                <a:spcPts val="600"/>
-              </a:spcAft>
-              <a:buFont typeface="Arial"/>
-              <a:buChar char="•"/>
-            </a:pPr>
-            <a:r>
-              <a:rPr lang="en-US" sz="3600" dirty="0">
-                <a:latin typeface="Arial"/>
-                <a:cs typeface="Arial"/>
-              </a:rPr>
-              <a:t>ICAP (Interactive, Constructive, Active, Passive) learning activity framework (Chi &amp; Wylie, 2014), constructive learning activities: {</a:t>
-            </a:r>
-            <a:r>
-              <a:rPr lang="en-US" sz="3600" i="1" dirty="0">
-                <a:latin typeface="Arial"/>
-                <a:cs typeface="Arial"/>
-              </a:rPr>
-              <a:t>inferring, creating, integrating new with prior knowledge, elaborating, comparing, contrasting, analogizing, generalizing, including, reflecting on conditions, explaining why something works</a:t>
-            </a:r>
-            <a:r>
-              <a:rPr lang="en-US" sz="3600" dirty="0">
-                <a:latin typeface="Arial"/>
-                <a:cs typeface="Arial"/>
-              </a:rPr>
-              <a:t>}</a:t>
-            </a:r>
-          </a:p>
-          <a:p>
-            <a:pPr marL="471659" indent="-471659">
-              <a:spcBef>
-                <a:spcPts val="600"/>
-              </a:spcBef>
-              <a:spcAft>
-                <a:spcPts val="600"/>
-              </a:spcAft>
-              <a:buFont typeface="Arial"/>
-              <a:buChar char="•"/>
-            </a:pPr>
-            <a:r>
-              <a:rPr lang="en-US" sz="3600" dirty="0">
-                <a:latin typeface="Arial"/>
-                <a:cs typeface="Arial"/>
-              </a:rPr>
-              <a:t>Constructive lexicon library: {comparing &amp; contrasting words, explanation, and justification &amp; elaboration words}</a:t>
-            </a:r>
-          </a:p>
-          <a:p>
-            <a:pPr marL="1829992" lvl="1" indent="-471659">
-              <a:spcBef>
-                <a:spcPts val="600"/>
-              </a:spcBef>
-              <a:spcAft>
-                <a:spcPts val="600"/>
-              </a:spcAft>
-              <a:buFont typeface="Wingdings" charset="2"/>
-              <a:buChar char="Ø"/>
-            </a:pPr>
-            <a:r>
-              <a:rPr lang="en-US" sz="3600" dirty="0">
-                <a:latin typeface="Arial"/>
-                <a:cs typeface="Arial"/>
-              </a:rPr>
-              <a:t>Comparing product features in reviews (</a:t>
-            </a:r>
-            <a:r>
-              <a:rPr lang="en-US" sz="3600" dirty="0" err="1">
-                <a:latin typeface="Arial"/>
-                <a:cs typeface="Arial"/>
-              </a:rPr>
-              <a:t>Ganapathibhotla</a:t>
-            </a:r>
-            <a:r>
-              <a:rPr lang="en-US" sz="3600" dirty="0">
-                <a:latin typeface="Arial"/>
-                <a:cs typeface="Arial"/>
-              </a:rPr>
-              <a:t> &amp; Liu, 2008) </a:t>
-            </a:r>
-            <a:r>
-              <a:rPr lang="en-US" sz="3600" dirty="0" err="1">
-                <a:latin typeface="Arial"/>
-                <a:cs typeface="Arial"/>
-              </a:rPr>
-              <a:t>eg</a:t>
-            </a:r>
-            <a:r>
-              <a:rPr lang="en-US" sz="3600" dirty="0">
-                <a:latin typeface="Arial"/>
-                <a:cs typeface="Arial"/>
-              </a:rPr>
-              <a:t>. versus, unlike, most …</a:t>
-            </a:r>
-          </a:p>
-          <a:p>
-            <a:pPr marL="1829992" lvl="1" indent="-471659">
-              <a:spcBef>
-                <a:spcPts val="600"/>
-              </a:spcBef>
-              <a:spcAft>
-                <a:spcPts val="600"/>
-              </a:spcAft>
-              <a:buFont typeface="Wingdings" charset="2"/>
-              <a:buChar char="Ø"/>
-            </a:pPr>
-            <a:r>
-              <a:rPr lang="en-US" sz="3600" dirty="0">
-                <a:latin typeface="Arial"/>
-                <a:cs typeface="Arial"/>
-              </a:rPr>
-              <a:t>Arguing lexicon to extract explanation, justification &amp; elaboration words (</a:t>
-            </a:r>
-            <a:r>
-              <a:rPr lang="en-US" sz="3600" dirty="0" err="1">
-                <a:latin typeface="Arial"/>
-                <a:cs typeface="Arial"/>
-              </a:rPr>
-              <a:t>Somasundaran</a:t>
-            </a:r>
-            <a:r>
-              <a:rPr lang="en-US" sz="3600" dirty="0">
-                <a:latin typeface="Arial"/>
-                <a:cs typeface="Arial"/>
-              </a:rPr>
-              <a:t>, </a:t>
-            </a:r>
-            <a:r>
-              <a:rPr lang="en-US" sz="3600" dirty="0" err="1">
-                <a:latin typeface="Arial"/>
-                <a:cs typeface="Arial"/>
-              </a:rPr>
-              <a:t>Ruppenhofer</a:t>
-            </a:r>
-            <a:r>
-              <a:rPr lang="en-US" sz="3600" dirty="0">
-                <a:latin typeface="Arial"/>
-                <a:cs typeface="Arial"/>
-              </a:rPr>
-              <a:t>, &amp; </a:t>
-            </a:r>
-            <a:r>
-              <a:rPr lang="en-US" sz="3600" dirty="0" err="1">
-                <a:latin typeface="Arial"/>
-                <a:cs typeface="Arial"/>
-              </a:rPr>
-              <a:t>Wiebe</a:t>
-            </a:r>
-            <a:r>
-              <a:rPr lang="en-US" sz="3600" dirty="0">
-                <a:latin typeface="Arial"/>
-                <a:cs typeface="Arial"/>
-              </a:rPr>
-              <a:t>, 2007) </a:t>
-            </a:r>
-            <a:r>
-              <a:rPr lang="en-US" sz="3600" dirty="0" err="1">
-                <a:latin typeface="Arial"/>
-                <a:cs typeface="Arial"/>
-              </a:rPr>
-              <a:t>eg</a:t>
-            </a:r>
-            <a:r>
-              <a:rPr lang="en-US" sz="3600" dirty="0">
-                <a:latin typeface="Arial"/>
-                <a:cs typeface="Arial"/>
-              </a:rPr>
-              <a:t>.</a:t>
-            </a:r>
-            <a:r>
-              <a:rPr lang="en-US" sz="3600" i="1" dirty="0">
-                <a:latin typeface="Arial"/>
-                <a:cs typeface="Arial"/>
-              </a:rPr>
-              <a:t> “in my understanding...”, “all I’m saying is...” (assessment), “...this is why...(emphasis)”, “...as a result...(causation)”, “...</a:t>
-            </a:r>
-            <a:r>
-              <a:rPr lang="en-US" sz="3600" i="1" dirty="0" smtClean="0">
-                <a:latin typeface="Arial"/>
-                <a:cs typeface="Arial"/>
-              </a:rPr>
-              <a:t>everything...(generalization).</a:t>
-            </a:r>
-          </a:p>
-          <a:p>
-            <a:pPr marL="1829992" lvl="1" indent="-471659">
-              <a:spcBef>
-                <a:spcPts val="600"/>
-              </a:spcBef>
-              <a:spcAft>
-                <a:spcPts val="600"/>
-              </a:spcAft>
-              <a:buFont typeface="Wingdings" charset="2"/>
-              <a:buChar char="Ø"/>
-            </a:pPr>
-            <a:endParaRPr lang="en-US" sz="3600" i="1" dirty="0">
-              <a:latin typeface="Arial"/>
-              <a:cs typeface="Arial"/>
-            </a:endParaRPr>
-          </a:p>
-          <a:p>
-            <a:pPr marL="1829992" lvl="1" indent="-471659">
-              <a:spcBef>
-                <a:spcPts val="600"/>
-              </a:spcBef>
-              <a:spcAft>
-                <a:spcPts val="600"/>
-              </a:spcAft>
-              <a:buFont typeface="Wingdings" charset="2"/>
-              <a:buChar char="Ø"/>
-            </a:pPr>
-            <a:endParaRPr lang="en-US" sz="3600" dirty="0"/>
-          </a:p>
-        </p:txBody>
-      </p:sp>
-      <p:sp>
-        <p:nvSpPr>
-          <p:cNvPr id="14" name="TextBox 13"/>
-          <p:cNvSpPr txBox="1"/>
-          <p:nvPr/>
-        </p:nvSpPr>
-        <p:spPr>
-          <a:xfrm>
-            <a:off x="7874000" y="23393400"/>
-            <a:ext cx="184666" cy="923330"/>
-          </a:xfrm>
-          <a:prstGeom prst="rect">
-            <a:avLst/>
-          </a:prstGeom>
-          <a:noFill/>
-        </p:spPr>
-        <p:txBody>
-          <a:bodyPr wrap="none" rtlCol="0">
-            <a:spAutoFit/>
-          </a:bodyPr>
-          <a:lstStyle/>
-          <a:p>
-            <a:endParaRPr lang="en-US" dirty="0"/>
-          </a:p>
-        </p:txBody>
-      </p:sp>
-      <p:sp>
-        <p:nvSpPr>
-          <p:cNvPr id="18" name="TextBox 17"/>
-          <p:cNvSpPr txBox="1"/>
-          <p:nvPr/>
-        </p:nvSpPr>
-        <p:spPr>
-          <a:xfrm>
-            <a:off x="845136" y="21024262"/>
-            <a:ext cx="10280061" cy="4615907"/>
-          </a:xfrm>
-          <a:prstGeom prst="rect">
-            <a:avLst/>
-          </a:prstGeom>
-          <a:noFill/>
-        </p:spPr>
-        <p:txBody>
-          <a:bodyPr wrap="square" lIns="75465" tIns="37733" rIns="75465" bIns="37733" rtlCol="0">
-            <a:spAutoFit/>
-          </a:bodyPr>
-          <a:lstStyle>
-            <a:defPPr>
-              <a:defRPr lang="en-US"/>
-            </a:defPPr>
-            <a:lvl1pPr>
-              <a:defRPr sz="3600" u="sng">
-                <a:latin typeface="Arial"/>
-                <a:cs typeface="Arial"/>
-              </a:defRPr>
-            </a:lvl1pPr>
-          </a:lstStyle>
-          <a:p>
-            <a:pPr algn="just"/>
-            <a:r>
-              <a:rPr lang="en-US" dirty="0"/>
-              <a:t>Findings:</a:t>
-            </a:r>
-          </a:p>
-          <a:p>
-            <a:pPr marL="571500" indent="-571500" algn="just">
-              <a:spcBef>
-                <a:spcPts val="600"/>
-              </a:spcBef>
-              <a:spcAft>
-                <a:spcPts val="600"/>
-              </a:spcAft>
-              <a:buFont typeface="Arial"/>
-              <a:buChar char="•"/>
-            </a:pPr>
-            <a:r>
-              <a:rPr lang="en-US" sz="3200" u="none" dirty="0" smtClean="0"/>
-              <a:t>There is a lot of discussion about female related problems, followed by sensory organs of human body.</a:t>
-            </a:r>
-          </a:p>
-          <a:p>
-            <a:pPr marL="571500" indent="-571500" algn="just">
-              <a:spcBef>
-                <a:spcPts val="600"/>
-              </a:spcBef>
-              <a:spcAft>
-                <a:spcPts val="600"/>
-              </a:spcAft>
-              <a:buFont typeface="Arial"/>
-              <a:buChar char="•"/>
-            </a:pPr>
-            <a:r>
-              <a:rPr lang="en-US" sz="3200" u="none" dirty="0" smtClean="0"/>
-              <a:t>Infection and pain are the most common symptoms seen in almost every disease.</a:t>
-            </a:r>
-          </a:p>
-          <a:p>
-            <a:pPr marL="571500" indent="-571500" algn="just">
-              <a:spcBef>
-                <a:spcPts val="600"/>
-              </a:spcBef>
-              <a:spcAft>
-                <a:spcPts val="600"/>
-              </a:spcAft>
-              <a:buFont typeface="Arial"/>
-              <a:buChar char="•"/>
-            </a:pPr>
-            <a:endParaRPr lang="en-US" sz="3200" u="none" dirty="0"/>
-          </a:p>
-          <a:p>
-            <a:pPr marL="571500" indent="-571500" algn="just">
-              <a:spcBef>
-                <a:spcPts val="600"/>
-              </a:spcBef>
-              <a:spcAft>
-                <a:spcPts val="600"/>
-              </a:spcAft>
-              <a:buFont typeface="Arial"/>
-              <a:buChar char="•"/>
-            </a:pPr>
-            <a:endParaRPr lang="en-US" sz="3200" u="none" dirty="0"/>
-          </a:p>
-        </p:txBody>
-      </p:sp>
-      <p:sp>
-        <p:nvSpPr>
-          <p:cNvPr id="19" name="TextBox 18"/>
-          <p:cNvSpPr txBox="1"/>
-          <p:nvPr/>
-        </p:nvSpPr>
-        <p:spPr>
-          <a:xfrm>
-            <a:off x="845136" y="14245804"/>
-            <a:ext cx="10280061" cy="7094250"/>
-          </a:xfrm>
-          <a:prstGeom prst="rect">
-            <a:avLst/>
-          </a:prstGeom>
-          <a:noFill/>
-        </p:spPr>
-        <p:txBody>
-          <a:bodyPr wrap="square" rtlCol="0">
-            <a:spAutoFit/>
-          </a:bodyPr>
-          <a:lstStyle/>
-          <a:p>
-            <a:r>
-              <a:rPr lang="en-US" sz="3600" u="sng" dirty="0" smtClean="0">
-                <a:latin typeface="Arial"/>
-                <a:cs typeface="Arial"/>
-              </a:rPr>
-              <a:t>Data Collection:</a:t>
-            </a:r>
-          </a:p>
-          <a:p>
-            <a:pPr marL="457200" indent="-457200" algn="just">
-              <a:spcBef>
-                <a:spcPts val="600"/>
-              </a:spcBef>
-              <a:spcAft>
-                <a:spcPts val="600"/>
-              </a:spcAft>
-              <a:buFont typeface="Arial"/>
-              <a:buChar char="•"/>
-            </a:pPr>
-            <a:r>
-              <a:rPr lang="en-US" sz="3200" dirty="0" smtClean="0">
-                <a:latin typeface="Arial"/>
-                <a:cs typeface="Arial"/>
-              </a:rPr>
-              <a:t>Collected data about diseases, symptoms and posted date of question and answers from the WebMD dataset provided.</a:t>
-            </a:r>
-            <a:r>
-              <a:rPr lang="en-US" sz="3200" dirty="0">
-                <a:latin typeface="Arial"/>
-                <a:cs typeface="Arial"/>
-              </a:rPr>
-              <a:t> Also extracted diseases and symptoms from Q/A data. </a:t>
-            </a:r>
-            <a:endParaRPr lang="en-US" sz="3200" dirty="0" smtClean="0">
-              <a:latin typeface="Arial"/>
-              <a:cs typeface="Arial"/>
-            </a:endParaRPr>
-          </a:p>
-          <a:p>
-            <a:pPr marL="457200" indent="-457200" algn="just">
-              <a:spcBef>
-                <a:spcPts val="600"/>
-              </a:spcBef>
-              <a:spcAft>
-                <a:spcPts val="600"/>
-              </a:spcAft>
-              <a:buFont typeface="Arial"/>
-              <a:buChar char="•"/>
-            </a:pPr>
-            <a:r>
-              <a:rPr lang="en-US" sz="3200" dirty="0" smtClean="0">
-                <a:latin typeface="Arial"/>
-                <a:cs typeface="Arial"/>
-              </a:rPr>
-              <a:t>Collected additional diseases and symptoms from QA forum: WebMD (</a:t>
-            </a:r>
-            <a:r>
-              <a:rPr lang="en-US" sz="3200" dirty="0" smtClean="0">
-                <a:latin typeface="Arial"/>
-                <a:cs typeface="Arial"/>
-                <a:hlinkClick r:id="rId7"/>
-              </a:rPr>
-              <a:t>www.webmd.com)</a:t>
-            </a:r>
-            <a:r>
-              <a:rPr lang="en-US" sz="3200" dirty="0" smtClean="0">
-                <a:latin typeface="Arial"/>
-                <a:cs typeface="Arial"/>
-              </a:rPr>
-              <a:t> and from Mayo Clinic (</a:t>
-            </a:r>
-            <a:r>
-              <a:rPr lang="en-US" sz="3200" dirty="0" smtClean="0">
-                <a:latin typeface="Arial"/>
-                <a:cs typeface="Arial"/>
-                <a:hlinkClick r:id="rId8"/>
-              </a:rPr>
-              <a:t>www.mayoclinic.org)</a:t>
-            </a:r>
-            <a:endParaRPr lang="en-US" sz="3200" dirty="0" smtClean="0">
-              <a:latin typeface="Arial"/>
-              <a:cs typeface="Arial"/>
-            </a:endParaRPr>
-          </a:p>
-          <a:p>
-            <a:pPr marL="457200" indent="-457200" algn="just">
-              <a:spcBef>
-                <a:spcPts val="600"/>
-              </a:spcBef>
-              <a:spcAft>
-                <a:spcPts val="600"/>
-              </a:spcAft>
-              <a:buFont typeface="Arial"/>
-              <a:buChar char="•"/>
-            </a:pPr>
-            <a:r>
-              <a:rPr lang="en-US" sz="3200" dirty="0">
-                <a:latin typeface="Arial"/>
-                <a:cs typeface="Arial"/>
-              </a:rPr>
-              <a:t>Processed the data to map the diseases and symptoms to topics provided in the dataset. Collected data about the human body parts which the diseases affect.  </a:t>
-            </a:r>
-          </a:p>
-          <a:p>
-            <a:pPr marL="457200" indent="-457200" algn="just">
-              <a:spcBef>
-                <a:spcPts val="600"/>
-              </a:spcBef>
-              <a:spcAft>
-                <a:spcPts val="600"/>
-              </a:spcAft>
-              <a:buFont typeface="Arial"/>
-              <a:buChar char="•"/>
-            </a:pPr>
-            <a:endParaRPr lang="en-US" sz="3200" dirty="0" smtClean="0">
-              <a:latin typeface="Arial"/>
-              <a:cs typeface="Arial"/>
-            </a:endParaRPr>
-          </a:p>
-        </p:txBody>
-      </p:sp>
       <p:pic>
         <p:nvPicPr>
-          <p:cNvPr id="20" name="Picture 19" descr="qr_code_without_logo.jpg"/>
+          <p:cNvPr id="1026" name="Picture 2" descr="Image result for webmd"/>
           <p:cNvPicPr>
-            <a:picLocks noChangeAspect="1"/>
+            <a:picLocks noChangeAspect="1" noChangeArrowheads="1"/>
           </p:cNvPicPr>
           <p:nvPr/>
         </p:nvPicPr>
@@ -4132,25 +4019,36 @@
               </a:ext>
             </a:extLst>
           </a:blip>
+          <a:srcRect/>
           <a:stretch>
             <a:fillRect/>
           </a:stretch>
         </p:blipFill>
-        <p:spPr>
+        <p:spPr bwMode="auto">
           <a:xfrm>
-            <a:off x="19792950" y="2179318"/>
-            <a:ext cx="2324100" cy="2324100"/>
+            <a:off x="845137" y="2409440"/>
+            <a:ext cx="5330986" cy="1341118"/>
           </a:xfrm>
           <a:prstGeom prst="rect">
             <a:avLst/>
           </a:prstGeom>
+          <a:noFill/>
+          <a:extLst>
+            <a:ext uri="{909E8E84-426E-40DD-AFC4-6F175D3DCCD1}">
+              <a14:hiddenFill xmlns:a14="http://schemas.microsoft.com/office/drawing/2010/main">
+                <a:solidFill>
+                  <a:srgbClr val="FFFFFF"/>
+                </a:solidFill>
+              </a14:hiddenFill>
+            </a:ext>
+          </a:extLst>
         </p:spPr>
       </p:pic>
       <p:pic>
         <p:nvPicPr>
-          <p:cNvPr id="21" name="Picture 20" descr="MASCOT_MG2.gif"/>
+          <p:cNvPr id="1028" name="Picture 4" descr="Image result for analytics icon"/>
           <p:cNvPicPr>
-            <a:picLocks noChangeAspect="1"/>
+            <a:picLocks noChangeAspect="1" noChangeArrowheads="1"/>
           </p:cNvPicPr>
           <p:nvPr/>
         </p:nvPicPr>
@@ -4162,48 +4060,29 @@
               </a:ext>
             </a:extLst>
           </a:blip>
+          <a:srcRect/>
           <a:stretch>
             <a:fillRect/>
           </a:stretch>
         </p:blipFill>
-        <p:spPr>
+        <p:spPr bwMode="auto">
           <a:xfrm>
-            <a:off x="17993720" y="2436072"/>
-            <a:ext cx="1371600" cy="1879600"/>
+            <a:off x="6530717" y="2317833"/>
+            <a:ext cx="1664159" cy="1660217"/>
           </a:xfrm>
           <a:prstGeom prst="rect">
             <a:avLst/>
           </a:prstGeom>
-        </p:spPr>
-      </p:pic>
-      <p:pic>
-        <p:nvPicPr>
-          <p:cNvPr id="2" name="Picture 1"/>
-          <p:cNvPicPr>
-            <a:picLocks noChangeAspect="1"/>
-          </p:cNvPicPr>
-          <p:nvPr/>
-        </p:nvPicPr>
-        <p:blipFill>
-          <a:blip r:embed="rId11">
-            <a:extLst>
-              <a:ext uri="{28A0092B-C50C-407E-A947-70E740481C1C}">
-                <a14:useLocalDpi xmlns:a14="http://schemas.microsoft.com/office/drawing/2010/main" val="0"/>
-              </a:ext>
-            </a:extLst>
-          </a:blip>
-          <a:stretch>
-            <a:fillRect/>
-          </a:stretch>
-        </p:blipFill>
-        <p:spPr>
-          <a:xfrm>
-            <a:off x="11364035" y="19245999"/>
-            <a:ext cx="10753015" cy="6879772"/>
-          </a:xfrm>
-          <a:prstGeom prst="rect">
-            <a:avLst/>
-          </a:prstGeom>
+          <a:noFill/>
+          <a:extLst>
+            <a:ext uri="{909E8E84-426E-40DD-AFC4-6F175D3DCCD1}">
+              <a14:hiddenFill xmlns:a14="http://schemas.microsoft.com/office/drawing/2010/main">
+                <a:solidFill>
+                  <a:srgbClr val="FFFFFF"/>
+                </a:solidFill>
+              </a14:hiddenFill>
+            </a:ext>
+          </a:extLst>
         </p:spPr>
       </p:pic>
     </p:spTree>

--- a/poster_v1.pptx
+++ b/poster_v1.pptx
@@ -302,7 +302,7 @@
           <a:p>
             <a:fld id="{8C3A2F60-A9DA-754F-BA60-4C4FB523BA99}" type="datetimeFigureOut">
               <a:rPr lang="en-US" smtClean="0"/>
-              <a:t>11/29/2016</a:t>
+              <a:t>12/4/16</a:t>
             </a:fld>
             <a:endParaRPr lang="en-US"/>
           </a:p>
@@ -470,7 +470,7 @@
           <a:p>
             <a:fld id="{8C3A2F60-A9DA-754F-BA60-4C4FB523BA99}" type="datetimeFigureOut">
               <a:rPr lang="en-US" smtClean="0"/>
-              <a:t>11/29/2016</a:t>
+              <a:t>12/4/16</a:t>
             </a:fld>
             <a:endParaRPr lang="en-US"/>
           </a:p>
@@ -648,7 +648,7 @@
           <a:p>
             <a:fld id="{8C3A2F60-A9DA-754F-BA60-4C4FB523BA99}" type="datetimeFigureOut">
               <a:rPr lang="en-US" smtClean="0"/>
-              <a:t>11/29/2016</a:t>
+              <a:t>12/4/16</a:t>
             </a:fld>
             <a:endParaRPr lang="en-US"/>
           </a:p>
@@ -816,7 +816,7 @@
           <a:p>
             <a:fld id="{8C3A2F60-A9DA-754F-BA60-4C4FB523BA99}" type="datetimeFigureOut">
               <a:rPr lang="en-US" smtClean="0"/>
-              <a:t>11/29/2016</a:t>
+              <a:t>12/4/16</a:t>
             </a:fld>
             <a:endParaRPr lang="en-US"/>
           </a:p>
@@ -1061,7 +1061,7 @@
           <a:p>
             <a:fld id="{8C3A2F60-A9DA-754F-BA60-4C4FB523BA99}" type="datetimeFigureOut">
               <a:rPr lang="en-US" smtClean="0"/>
-              <a:t>11/29/2016</a:t>
+              <a:t>12/4/16</a:t>
             </a:fld>
             <a:endParaRPr lang="en-US"/>
           </a:p>
@@ -1346,7 +1346,7 @@
           <a:p>
             <a:fld id="{8C3A2F60-A9DA-754F-BA60-4C4FB523BA99}" type="datetimeFigureOut">
               <a:rPr lang="en-US" smtClean="0"/>
-              <a:t>11/29/2016</a:t>
+              <a:t>12/4/16</a:t>
             </a:fld>
             <a:endParaRPr lang="en-US"/>
           </a:p>
@@ -1765,7 +1765,7 @@
           <a:p>
             <a:fld id="{8C3A2F60-A9DA-754F-BA60-4C4FB523BA99}" type="datetimeFigureOut">
               <a:rPr lang="en-US" smtClean="0"/>
-              <a:t>11/29/2016</a:t>
+              <a:t>12/4/16</a:t>
             </a:fld>
             <a:endParaRPr lang="en-US"/>
           </a:p>
@@ -1882,7 +1882,7 @@
           <a:p>
             <a:fld id="{8C3A2F60-A9DA-754F-BA60-4C4FB523BA99}" type="datetimeFigureOut">
               <a:rPr lang="en-US" smtClean="0"/>
-              <a:t>11/29/2016</a:t>
+              <a:t>12/4/16</a:t>
             </a:fld>
             <a:endParaRPr lang="en-US"/>
           </a:p>
@@ -1977,7 +1977,7 @@
           <a:p>
             <a:fld id="{8C3A2F60-A9DA-754F-BA60-4C4FB523BA99}" type="datetimeFigureOut">
               <a:rPr lang="en-US" smtClean="0"/>
-              <a:t>11/29/2016</a:t>
+              <a:t>12/4/16</a:t>
             </a:fld>
             <a:endParaRPr lang="en-US"/>
           </a:p>
@@ -2252,7 +2252,7 @@
           <a:p>
             <a:fld id="{8C3A2F60-A9DA-754F-BA60-4C4FB523BA99}" type="datetimeFigureOut">
               <a:rPr lang="en-US" smtClean="0"/>
-              <a:t>11/29/2016</a:t>
+              <a:t>12/4/16</a:t>
             </a:fld>
             <a:endParaRPr lang="en-US"/>
           </a:p>
@@ -2504,7 +2504,7 @@
           <a:p>
             <a:fld id="{8C3A2F60-A9DA-754F-BA60-4C4FB523BA99}" type="datetimeFigureOut">
               <a:rPr lang="en-US" smtClean="0"/>
-              <a:t>11/29/2016</a:t>
+              <a:t>12/4/16</a:t>
             </a:fld>
             <a:endParaRPr lang="en-US"/>
           </a:p>
@@ -2715,7 +2715,7 @@
           <a:p>
             <a:fld id="{8C3A2F60-A9DA-754F-BA60-4C4FB523BA99}" type="datetimeFigureOut">
               <a:rPr lang="en-US" smtClean="0"/>
-              <a:t>11/29/2016</a:t>
+              <a:t>12/4/16</a:t>
             </a:fld>
             <a:endParaRPr lang="en-US"/>
           </a:p>
@@ -3121,7 +3121,7 @@
           <a:lstStyle/>
           <a:p>
             <a:r>
-              <a:rPr lang="en-US" sz="6600" b="1" dirty="0">
+              <a:rPr lang="en-US" sz="6600" b="1" smtClean="0">
                 <a:latin typeface="Arial" panose="020B0604020202020204" pitchFamily="34" charset="0"/>
                 <a:cs typeface="Arial" panose="020B0604020202020204" pitchFamily="34" charset="0"/>
               </a:rPr>
@@ -3144,7 +3144,7 @@
         </p:nvSpPr>
         <p:spPr>
           <a:xfrm>
-            <a:off x="11402856" y="671244"/>
+            <a:off x="11402856" y="2102488"/>
             <a:ext cx="14220325" cy="2045973"/>
           </a:xfrm>
           <a:prstGeom prst="rect">
@@ -3386,8 +3386,17 @@
               <a:rPr lang="en-US" sz="3600" b="1" u="sng" dirty="0">
                 <a:cs typeface="Arial"/>
               </a:rPr>
-              <a:t>Motivation &amp; Relevant Work:</a:t>
-            </a:r>
+              <a:t>Motivation &amp; Relevant </a:t>
+            </a:r>
+            <a:r>
+              <a:rPr lang="en-US" sz="3600" b="1" u="sng" dirty="0" smtClean="0">
+                <a:cs typeface="Arial"/>
+              </a:rPr>
+              <a:t>Work:</a:t>
+            </a:r>
+            <a:endParaRPr lang="en-US" sz="3600" b="1" u="sng" dirty="0">
+              <a:cs typeface="Arial"/>
+            </a:endParaRPr>
           </a:p>
           <a:p>
             <a:pPr marL="571500" indent="-571500" algn="just">
@@ -3970,41 +3979,6 @@
       </p:sp>
       <p:pic>
         <p:nvPicPr>
-          <p:cNvPr id="2" name="Picture 1"/>
-          <p:cNvPicPr>
-            <a:picLocks noChangeAspect="1"/>
-          </p:cNvPicPr>
-          <p:nvPr/>
-        </p:nvPicPr>
-        <p:blipFill>
-          <a:blip r:embed="rId8">
-            <a:extLst>
-              <a:ext uri="{28A0092B-C50C-407E-A947-70E740481C1C}">
-                <a14:useLocalDpi xmlns:a14="http://schemas.microsoft.com/office/drawing/2010/main" val="0"/>
-              </a:ext>
-            </a:extLst>
-          </a:blip>
-          <a:stretch>
-            <a:fillRect/>
-          </a:stretch>
-        </p:blipFill>
-        <p:spPr>
-          <a:xfrm>
-            <a:off x="11402856" y="4359308"/>
-            <a:ext cx="10991851" cy="7485938"/>
-          </a:xfrm>
-          <a:prstGeom prst="rect">
-            <a:avLst/>
-          </a:prstGeom>
-          <a:ln>
-            <a:solidFill>
-              <a:schemeClr val="tx1"/>
-            </a:solidFill>
-          </a:ln>
-        </p:spPr>
-      </p:pic>
-      <p:pic>
-        <p:nvPicPr>
           <p:cNvPr id="1026" name="Picture 2" descr="Image result for webmd"/>
           <p:cNvPicPr>
             <a:picLocks noChangeAspect="1" noChangeArrowheads="1"/>
@@ -4012,7 +3986,7 @@
           <p:nvPr/>
         </p:nvPicPr>
         <p:blipFill>
-          <a:blip r:embed="rId9">
+          <a:blip r:embed="rId8">
             <a:extLst>
               <a:ext uri="{28A0092B-C50C-407E-A947-70E740481C1C}">
                 <a14:useLocalDpi xmlns:a14="http://schemas.microsoft.com/office/drawing/2010/main" val="0"/>
@@ -4053,7 +4027,7 @@
           <p:nvPr/>
         </p:nvPicPr>
         <p:blipFill>
-          <a:blip r:embed="rId10">
+          <a:blip r:embed="rId9">
             <a:extLst>
               <a:ext uri="{28A0092B-C50C-407E-A947-70E740481C1C}">
                 <a14:useLocalDpi xmlns:a14="http://schemas.microsoft.com/office/drawing/2010/main" val="0"/>
@@ -4083,6 +4057,96 @@
               </a14:hiddenFill>
             </a:ext>
           </a:extLst>
+        </p:spPr>
+      </p:pic>
+      <p:pic>
+        <p:nvPicPr>
+          <p:cNvPr id="3" name="Picture 2"/>
+          <p:cNvPicPr>
+            <a:picLocks noChangeAspect="1"/>
+          </p:cNvPicPr>
+          <p:nvPr/>
+        </p:nvPicPr>
+        <p:blipFill>
+          <a:blip r:embed="rId10">
+            <a:extLst>
+              <a:ext uri="{28A0092B-C50C-407E-A947-70E740481C1C}">
+                <a14:useLocalDpi xmlns:a14="http://schemas.microsoft.com/office/drawing/2010/main" val="0"/>
+              </a:ext>
+            </a:extLst>
+          </a:blip>
+          <a:stretch>
+            <a:fillRect/>
+          </a:stretch>
+        </p:blipFill>
+        <p:spPr>
+          <a:xfrm>
+            <a:off x="11364034" y="4359308"/>
+            <a:ext cx="10991851" cy="7329109"/>
+          </a:xfrm>
+          <a:prstGeom prst="rect">
+            <a:avLst/>
+          </a:prstGeom>
+        </p:spPr>
+      </p:pic>
+      <p:pic>
+        <p:nvPicPr>
+          <p:cNvPr id="4" name="Picture 3"/>
+          <p:cNvPicPr>
+            <a:picLocks noChangeAspect="1"/>
+          </p:cNvPicPr>
+          <p:nvPr/>
+        </p:nvPicPr>
+        <p:blipFill>
+          <a:blip r:embed="rId11">
+            <a:extLst>
+              <a:ext uri="{28A0092B-C50C-407E-A947-70E740481C1C}">
+                <a14:useLocalDpi xmlns:a14="http://schemas.microsoft.com/office/drawing/2010/main" val="0"/>
+              </a:ext>
+            </a:extLst>
+          </a:blip>
+          <a:stretch>
+            <a:fillRect/>
+          </a:stretch>
+        </p:blipFill>
+        <p:spPr>
+          <a:xfrm>
+            <a:off x="14026786" y="691551"/>
+            <a:ext cx="7441736" cy="1200089"/>
+          </a:xfrm>
+          <a:prstGeom prst="rect">
+            <a:avLst/>
+          </a:prstGeom>
+        </p:spPr>
+      </p:pic>
+      <p:pic>
+        <p:nvPicPr>
+          <p:cNvPr id="5" name="Picture 4"/>
+          <p:cNvPicPr>
+            <a:picLocks noChangeAspect="1"/>
+          </p:cNvPicPr>
+          <p:nvPr/>
+        </p:nvPicPr>
+        <p:blipFill>
+          <a:blip r:embed="rId12">
+            <a:extLst>
+              <a:ext uri="{28A0092B-C50C-407E-A947-70E740481C1C}">
+                <a14:useLocalDpi xmlns:a14="http://schemas.microsoft.com/office/drawing/2010/main" val="0"/>
+              </a:ext>
+            </a:extLst>
+          </a:blip>
+          <a:stretch>
+            <a:fillRect/>
+          </a:stretch>
+        </p:blipFill>
+        <p:spPr>
+          <a:xfrm>
+            <a:off x="11858488" y="373935"/>
+            <a:ext cx="2058469" cy="2058469"/>
+          </a:xfrm>
+          <a:prstGeom prst="rect">
+            <a:avLst/>
+          </a:prstGeom>
         </p:spPr>
       </p:pic>
     </p:spTree>
